--- a/Decentralized Collective Construction.pptx
+++ b/Decentralized Collective Construction.pptx
@@ -5,28 +5,21 @@
     <p:sldMasterId id="2147483648" r:id="rId2"/>
   </p:sldMasterIdLst>
   <p:notesMasterIdLst>
-    <p:notesMasterId r:id="rId14"/>
+    <p:notesMasterId r:id="rId7"/>
   </p:notesMasterIdLst>
   <p:handoutMasterIdLst>
-    <p:handoutMasterId r:id="rId15"/>
+    <p:handoutMasterId r:id="rId8"/>
   </p:handoutMasterIdLst>
   <p:sldIdLst>
     <p:sldId id="265" r:id="rId3"/>
     <p:sldId id="319" r:id="rId4"/>
     <p:sldId id="310" r:id="rId5"/>
     <p:sldId id="312" r:id="rId6"/>
-    <p:sldId id="311" r:id="rId7"/>
-    <p:sldId id="313" r:id="rId8"/>
-    <p:sldId id="314" r:id="rId9"/>
-    <p:sldId id="315" r:id="rId10"/>
-    <p:sldId id="316" r:id="rId11"/>
-    <p:sldId id="317" r:id="rId12"/>
-    <p:sldId id="318" r:id="rId13"/>
   </p:sldIdLst>
   <p:sldSz cx="12188825" cy="6858000"/>
   <p:notesSz cx="6858000" cy="9144000"/>
   <p:custDataLst>
-    <p:tags r:id="rId16"/>
+    <p:tags r:id="rId9"/>
   </p:custDataLst>
   <p:defaultTextStyle>
     <a:defPPr>
@@ -125,7 +118,7 @@
   </p:defaultTextStyle>
   <p:extLst>
     <p:ext uri="{EFAFB233-063F-42B5-8137-9DF3F51BA10A}">
-      <p15:sldGuideLst xmlns:p15="http://schemas.microsoft.com/office/powerpoint/2012/main">
+      <p15:sldGuideLst xmlns:p15="http://schemas.microsoft.com/office/powerpoint/2012/main" xmlns="">
         <p15:guide id="1" pos="3839" userDrawn="1">
           <p15:clr>
             <a:srgbClr val="A4A3A4"/>
@@ -139,961 +132,10 @@
       </p15:sldGuideLst>
     </p:ext>
     <p:ext uri="{2D200454-40CA-4A62-9FC3-DE9A4176ACB9}">
-      <p15:notesGuideLst xmlns:p15="http://schemas.microsoft.com/office/powerpoint/2012/main"/>
+      <p15:notesGuideLst xmlns:p15="http://schemas.microsoft.com/office/powerpoint/2012/main" xmlns=""/>
     </p:ext>
   </p:extLst>
 </p:presentation>
-</file>
-
-<file path=ppt/charts/chart1.xml><?xml version="1.0" encoding="utf-8"?>
-<c:chartSpace xmlns:c="http://schemas.openxmlformats.org/drawingml/2006/chart" xmlns:a="http://schemas.openxmlformats.org/drawingml/2006/main" xmlns:r="http://schemas.openxmlformats.org/officeDocument/2006/relationships">
-  <c:date1904 val="0"/>
-  <c:lang val="en-US"/>
-  <c:roundedCorners val="0"/>
-  <mc:AlternateContent xmlns:mc="http://schemas.openxmlformats.org/markup-compatibility/2006">
-    <mc:Choice xmlns:c14="http://schemas.microsoft.com/office/drawing/2007/8/2/chart" Requires="c14">
-      <c14:style val="102"/>
-    </mc:Choice>
-    <mc:Fallback>
-      <c:style val="2"/>
-    </mc:Fallback>
-  </mc:AlternateContent>
-  <c:chart>
-    <c:autoTitleDeleted val="1"/>
-    <c:plotArea>
-      <c:layout/>
-      <c:barChart>
-        <c:barDir val="col"/>
-        <c:grouping val="clustered"/>
-        <c:varyColors val="0"/>
-        <c:ser>
-          <c:idx val="0"/>
-          <c:order val="0"/>
-          <c:tx>
-            <c:strRef>
-              <c:f>Sheet1!$B$1</c:f>
-              <c:strCache>
-                <c:ptCount val="1"/>
-                <c:pt idx="0">
-                  <c:v>Series 1</c:v>
-                </c:pt>
-              </c:strCache>
-            </c:strRef>
-          </c:tx>
-          <c:spPr>
-            <a:solidFill>
-              <a:schemeClr val="accent1"/>
-            </a:solidFill>
-            <a:ln>
-              <a:noFill/>
-            </a:ln>
-            <a:effectLst/>
-          </c:spPr>
-          <c:invertIfNegative val="0"/>
-          <c:cat>
-            <c:strRef>
-              <c:f>Sheet1!$A$2:$A$5</c:f>
-              <c:strCache>
-                <c:ptCount val="4"/>
-                <c:pt idx="0">
-                  <c:v>Category 1</c:v>
-                </c:pt>
-                <c:pt idx="1">
-                  <c:v>Category 2</c:v>
-                </c:pt>
-                <c:pt idx="2">
-                  <c:v>Category 3</c:v>
-                </c:pt>
-                <c:pt idx="3">
-                  <c:v>Category 4</c:v>
-                </c:pt>
-              </c:strCache>
-            </c:strRef>
-          </c:cat>
-          <c:val>
-            <c:numRef>
-              <c:f>Sheet1!$B$2:$B$5</c:f>
-              <c:numCache>
-                <c:formatCode>General</c:formatCode>
-                <c:ptCount val="4"/>
-                <c:pt idx="0">
-                  <c:v>4.3</c:v>
-                </c:pt>
-                <c:pt idx="1">
-                  <c:v>2.5</c:v>
-                </c:pt>
-                <c:pt idx="2">
-                  <c:v>3.5</c:v>
-                </c:pt>
-                <c:pt idx="3">
-                  <c:v>4.5</c:v>
-                </c:pt>
-              </c:numCache>
-            </c:numRef>
-          </c:val>
-        </c:ser>
-        <c:ser>
-          <c:idx val="1"/>
-          <c:order val="1"/>
-          <c:tx>
-            <c:strRef>
-              <c:f>Sheet1!$C$1</c:f>
-              <c:strCache>
-                <c:ptCount val="1"/>
-                <c:pt idx="0">
-                  <c:v>Series 2</c:v>
-                </c:pt>
-              </c:strCache>
-            </c:strRef>
-          </c:tx>
-          <c:spPr>
-            <a:solidFill>
-              <a:schemeClr val="accent2"/>
-            </a:solidFill>
-            <a:ln>
-              <a:noFill/>
-            </a:ln>
-            <a:effectLst/>
-          </c:spPr>
-          <c:invertIfNegative val="0"/>
-          <c:cat>
-            <c:strRef>
-              <c:f>Sheet1!$A$2:$A$5</c:f>
-              <c:strCache>
-                <c:ptCount val="4"/>
-                <c:pt idx="0">
-                  <c:v>Category 1</c:v>
-                </c:pt>
-                <c:pt idx="1">
-                  <c:v>Category 2</c:v>
-                </c:pt>
-                <c:pt idx="2">
-                  <c:v>Category 3</c:v>
-                </c:pt>
-                <c:pt idx="3">
-                  <c:v>Category 4</c:v>
-                </c:pt>
-              </c:strCache>
-            </c:strRef>
-          </c:cat>
-          <c:val>
-            <c:numRef>
-              <c:f>Sheet1!$C$2:$C$5</c:f>
-              <c:numCache>
-                <c:formatCode>General</c:formatCode>
-                <c:ptCount val="4"/>
-                <c:pt idx="0">
-                  <c:v>2.4</c:v>
-                </c:pt>
-                <c:pt idx="1">
-                  <c:v>4.4000000000000004</c:v>
-                </c:pt>
-                <c:pt idx="2">
-                  <c:v>1.8</c:v>
-                </c:pt>
-                <c:pt idx="3">
-                  <c:v>2.8</c:v>
-                </c:pt>
-              </c:numCache>
-            </c:numRef>
-          </c:val>
-        </c:ser>
-        <c:dLbls>
-          <c:showLegendKey val="0"/>
-          <c:showVal val="0"/>
-          <c:showCatName val="0"/>
-          <c:showSerName val="0"/>
-          <c:showPercent val="0"/>
-          <c:showBubbleSize val="0"/>
-        </c:dLbls>
-        <c:gapWidth val="219"/>
-        <c:overlap val="-27"/>
-        <c:axId val="191564016"/>
-        <c:axId val="191565136"/>
-      </c:barChart>
-      <c:lineChart>
-        <c:grouping val="standard"/>
-        <c:varyColors val="0"/>
-        <c:ser>
-          <c:idx val="2"/>
-          <c:order val="2"/>
-          <c:tx>
-            <c:strRef>
-              <c:f>Sheet1!$D$1</c:f>
-              <c:strCache>
-                <c:ptCount val="1"/>
-                <c:pt idx="0">
-                  <c:v>Series 3</c:v>
-                </c:pt>
-              </c:strCache>
-            </c:strRef>
-          </c:tx>
-          <c:spPr>
-            <a:ln w="28575" cap="rnd">
-              <a:solidFill>
-                <a:schemeClr val="accent3"/>
-              </a:solidFill>
-              <a:round/>
-            </a:ln>
-            <a:effectLst/>
-          </c:spPr>
-          <c:marker>
-            <c:symbol val="none"/>
-          </c:marker>
-          <c:cat>
-            <c:strRef>
-              <c:f>Sheet1!$A$2:$A$5</c:f>
-              <c:strCache>
-                <c:ptCount val="4"/>
-                <c:pt idx="0">
-                  <c:v>Category 1</c:v>
-                </c:pt>
-                <c:pt idx="1">
-                  <c:v>Category 2</c:v>
-                </c:pt>
-                <c:pt idx="2">
-                  <c:v>Category 3</c:v>
-                </c:pt>
-                <c:pt idx="3">
-                  <c:v>Category 4</c:v>
-                </c:pt>
-              </c:strCache>
-            </c:strRef>
-          </c:cat>
-          <c:val>
-            <c:numRef>
-              <c:f>Sheet1!$D$2:$D$5</c:f>
-              <c:numCache>
-                <c:formatCode>General</c:formatCode>
-                <c:ptCount val="4"/>
-                <c:pt idx="0">
-                  <c:v>2</c:v>
-                </c:pt>
-                <c:pt idx="1">
-                  <c:v>2</c:v>
-                </c:pt>
-                <c:pt idx="2">
-                  <c:v>3</c:v>
-                </c:pt>
-                <c:pt idx="3">
-                  <c:v>5</c:v>
-                </c:pt>
-              </c:numCache>
-            </c:numRef>
-          </c:val>
-          <c:smooth val="0"/>
-        </c:ser>
-        <c:dLbls>
-          <c:showLegendKey val="0"/>
-          <c:showVal val="0"/>
-          <c:showCatName val="0"/>
-          <c:showSerName val="0"/>
-          <c:showPercent val="0"/>
-          <c:showBubbleSize val="0"/>
-        </c:dLbls>
-        <c:marker val="1"/>
-        <c:smooth val="0"/>
-        <c:axId val="191564016"/>
-        <c:axId val="191565136"/>
-      </c:lineChart>
-      <c:catAx>
-        <c:axId val="191564016"/>
-        <c:scaling>
-          <c:orientation val="minMax"/>
-        </c:scaling>
-        <c:delete val="0"/>
-        <c:axPos val="b"/>
-        <c:numFmt formatCode="General" sourceLinked="1"/>
-        <c:majorTickMark val="none"/>
-        <c:minorTickMark val="none"/>
-        <c:tickLblPos val="nextTo"/>
-        <c:spPr>
-          <a:noFill/>
-          <a:ln w="9525" cap="flat" cmpd="sng" algn="ctr">
-            <a:solidFill>
-              <a:schemeClr val="tx1">
-                <a:lumMod val="15000"/>
-                <a:lumOff val="85000"/>
-              </a:schemeClr>
-            </a:solidFill>
-            <a:round/>
-          </a:ln>
-          <a:effectLst/>
-        </c:spPr>
-        <c:txPr>
-          <a:bodyPr rot="-60000000" spcFirstLastPara="1" vertOverflow="ellipsis" vert="horz" wrap="square" anchor="ctr" anchorCtr="1"/>
-          <a:lstStyle/>
-          <a:p>
-            <a:pPr>
-              <a:defRPr sz="1197" b="0" i="0" u="none" strike="noStrike" kern="1200" baseline="0">
-                <a:solidFill>
-                  <a:schemeClr val="tx1">
-                    <a:lumMod val="65000"/>
-                    <a:lumOff val="35000"/>
-                  </a:schemeClr>
-                </a:solidFill>
-                <a:latin typeface="+mn-lt"/>
-                <a:ea typeface="+mn-ea"/>
-                <a:cs typeface="+mn-cs"/>
-              </a:defRPr>
-            </a:pPr>
-            <a:endParaRPr lang="en-US"/>
-          </a:p>
-        </c:txPr>
-        <c:crossAx val="191565136"/>
-        <c:crosses val="autoZero"/>
-        <c:auto val="1"/>
-        <c:lblAlgn val="ctr"/>
-        <c:lblOffset val="100"/>
-        <c:noMultiLvlLbl val="0"/>
-      </c:catAx>
-      <c:valAx>
-        <c:axId val="191565136"/>
-        <c:scaling>
-          <c:orientation val="minMax"/>
-        </c:scaling>
-        <c:delete val="0"/>
-        <c:axPos val="l"/>
-        <c:numFmt formatCode="General" sourceLinked="1"/>
-        <c:majorTickMark val="none"/>
-        <c:minorTickMark val="none"/>
-        <c:tickLblPos val="nextTo"/>
-        <c:spPr>
-          <a:noFill/>
-          <a:ln>
-            <a:noFill/>
-          </a:ln>
-          <a:effectLst/>
-        </c:spPr>
-        <c:txPr>
-          <a:bodyPr rot="-60000000" spcFirstLastPara="1" vertOverflow="ellipsis" vert="horz" wrap="square" anchor="ctr" anchorCtr="1"/>
-          <a:lstStyle/>
-          <a:p>
-            <a:pPr>
-              <a:defRPr sz="1197" b="0" i="0" u="none" strike="noStrike" kern="1200" baseline="0">
-                <a:solidFill>
-                  <a:schemeClr val="tx1">
-                    <a:lumMod val="65000"/>
-                    <a:lumOff val="35000"/>
-                  </a:schemeClr>
-                </a:solidFill>
-                <a:latin typeface="+mn-lt"/>
-                <a:ea typeface="+mn-ea"/>
-                <a:cs typeface="+mn-cs"/>
-              </a:defRPr>
-            </a:pPr>
-            <a:endParaRPr lang="en-US"/>
-          </a:p>
-        </c:txPr>
-        <c:crossAx val="191564016"/>
-        <c:crosses val="autoZero"/>
-        <c:crossBetween val="between"/>
-      </c:valAx>
-      <c:spPr>
-        <a:noFill/>
-        <a:ln w="25400">
-          <a:noFill/>
-        </a:ln>
-        <a:effectLst/>
-      </c:spPr>
-    </c:plotArea>
-    <c:legend>
-      <c:legendPos val="b"/>
-      <c:layout/>
-      <c:overlay val="0"/>
-      <c:spPr>
-        <a:noFill/>
-        <a:ln>
-          <a:noFill/>
-        </a:ln>
-        <a:effectLst/>
-      </c:spPr>
-      <c:txPr>
-        <a:bodyPr rot="0" spcFirstLastPara="1" vertOverflow="ellipsis" vert="horz" wrap="square" anchor="ctr" anchorCtr="1"/>
-        <a:lstStyle/>
-        <a:p>
-          <a:pPr>
-            <a:defRPr sz="1197" b="0" i="0" u="none" strike="noStrike" kern="1200" baseline="0">
-              <a:solidFill>
-                <a:schemeClr val="tx1">
-                  <a:lumMod val="65000"/>
-                  <a:lumOff val="35000"/>
-                </a:schemeClr>
-              </a:solidFill>
-              <a:latin typeface="+mn-lt"/>
-              <a:ea typeface="+mn-ea"/>
-              <a:cs typeface="+mn-cs"/>
-            </a:defRPr>
-          </a:pPr>
-          <a:endParaRPr lang="en-US"/>
-        </a:p>
-      </c:txPr>
-    </c:legend>
-    <c:plotVisOnly val="1"/>
-    <c:dispBlanksAs val="gap"/>
-    <c:showDLblsOverMax val="0"/>
-  </c:chart>
-  <c:spPr>
-    <a:noFill/>
-    <a:ln>
-      <a:noFill/>
-    </a:ln>
-    <a:effectLst/>
-  </c:spPr>
-  <c:txPr>
-    <a:bodyPr/>
-    <a:lstStyle/>
-    <a:p>
-      <a:pPr>
-        <a:defRPr/>
-      </a:pPr>
-      <a:endParaRPr lang="en-US"/>
-    </a:p>
-  </c:txPr>
-  <c:externalData r:id="rId3">
-    <c:autoUpdate val="0"/>
-  </c:externalData>
-</c:chartSpace>
-</file>
-
-<file path=ppt/charts/colors1.xml><?xml version="1.0" encoding="utf-8"?>
-<cs:colorStyle xmlns:cs="http://schemas.microsoft.com/office/drawing/2012/chartStyle" xmlns:a="http://schemas.openxmlformats.org/drawingml/2006/main" meth="cycle" id="10">
-  <a:schemeClr val="accent1"/>
-  <a:schemeClr val="accent2"/>
-  <a:schemeClr val="accent3"/>
-  <a:schemeClr val="accent4"/>
-  <a:schemeClr val="accent5"/>
-  <a:schemeClr val="accent6"/>
-  <cs:variation/>
-  <cs:variation>
-    <a:lumMod val="60000"/>
-  </cs:variation>
-  <cs:variation>
-    <a:lumMod val="80000"/>
-    <a:lumOff val="20000"/>
-  </cs:variation>
-  <cs:variation>
-    <a:lumMod val="80000"/>
-  </cs:variation>
-  <cs:variation>
-    <a:lumMod val="60000"/>
-    <a:lumOff val="40000"/>
-  </cs:variation>
-  <cs:variation>
-    <a:lumMod val="50000"/>
-  </cs:variation>
-  <cs:variation>
-    <a:lumMod val="70000"/>
-    <a:lumOff val="30000"/>
-  </cs:variation>
-  <cs:variation>
-    <a:lumMod val="70000"/>
-  </cs:variation>
-  <cs:variation>
-    <a:lumMod val="50000"/>
-    <a:lumOff val="50000"/>
-  </cs:variation>
-</cs:colorStyle>
-</file>
-
-<file path=ppt/charts/style1.xml><?xml version="1.0" encoding="utf-8"?>
-<cs:chartStyle xmlns:cs="http://schemas.microsoft.com/office/drawing/2012/chartStyle" xmlns:a="http://schemas.openxmlformats.org/drawingml/2006/main" id="201">
-  <cs:axisTitle>
-    <cs:lnRef idx="0"/>
-    <cs:fillRef idx="0"/>
-    <cs:effectRef idx="0"/>
-    <cs:fontRef idx="minor">
-      <a:schemeClr val="tx1">
-        <a:lumMod val="65000"/>
-        <a:lumOff val="35000"/>
-      </a:schemeClr>
-    </cs:fontRef>
-    <cs:defRPr sz="1330" kern="1200"/>
-  </cs:axisTitle>
-  <cs:categoryAxis>
-    <cs:lnRef idx="0"/>
-    <cs:fillRef idx="0"/>
-    <cs:effectRef idx="0"/>
-    <cs:fontRef idx="minor">
-      <a:schemeClr val="tx1">
-        <a:lumMod val="65000"/>
-        <a:lumOff val="35000"/>
-      </a:schemeClr>
-    </cs:fontRef>
-    <cs:spPr>
-      <a:ln w="9525" cap="flat" cmpd="sng" algn="ctr">
-        <a:solidFill>
-          <a:schemeClr val="tx1">
-            <a:lumMod val="15000"/>
-            <a:lumOff val="85000"/>
-          </a:schemeClr>
-        </a:solidFill>
-        <a:round/>
-      </a:ln>
-    </cs:spPr>
-    <cs:defRPr sz="1197" kern="1200"/>
-  </cs:categoryAxis>
-  <cs:chartArea mods="allowNoFillOverride allowNoLineOverride">
-    <cs:lnRef idx="0"/>
-    <cs:fillRef idx="0"/>
-    <cs:effectRef idx="0"/>
-    <cs:fontRef idx="minor">
-      <a:schemeClr val="tx1"/>
-    </cs:fontRef>
-    <cs:spPr>
-      <a:solidFill>
-        <a:schemeClr val="bg1"/>
-      </a:solidFill>
-      <a:ln w="9525" cap="flat" cmpd="sng" algn="ctr">
-        <a:solidFill>
-          <a:schemeClr val="tx1">
-            <a:lumMod val="15000"/>
-            <a:lumOff val="85000"/>
-          </a:schemeClr>
-        </a:solidFill>
-        <a:round/>
-      </a:ln>
-    </cs:spPr>
-    <cs:defRPr sz="1330" kern="1200"/>
-  </cs:chartArea>
-  <cs:dataLabel>
-    <cs:lnRef idx="0"/>
-    <cs:fillRef idx="0"/>
-    <cs:effectRef idx="0"/>
-    <cs:fontRef idx="minor">
-      <a:schemeClr val="tx1">
-        <a:lumMod val="75000"/>
-        <a:lumOff val="25000"/>
-      </a:schemeClr>
-    </cs:fontRef>
-    <cs:defRPr sz="1197" kern="1200"/>
-  </cs:dataLabel>
-  <cs:dataLabelCallout>
-    <cs:lnRef idx="0"/>
-    <cs:fillRef idx="0"/>
-    <cs:effectRef idx="0"/>
-    <cs:fontRef idx="minor">
-      <a:schemeClr val="dk1">
-        <a:lumMod val="65000"/>
-        <a:lumOff val="35000"/>
-      </a:schemeClr>
-    </cs:fontRef>
-    <cs:spPr>
-      <a:solidFill>
-        <a:schemeClr val="lt1"/>
-      </a:solidFill>
-      <a:ln>
-        <a:solidFill>
-          <a:schemeClr val="dk1">
-            <a:lumMod val="25000"/>
-            <a:lumOff val="75000"/>
-          </a:schemeClr>
-        </a:solidFill>
-      </a:ln>
-    </cs:spPr>
-    <cs:defRPr sz="1197" kern="1200"/>
-  </cs:dataLabelCallout>
-  <cs:dataPoint>
-    <cs:lnRef idx="0"/>
-    <cs:fillRef idx="1">
-      <cs:styleClr val="auto"/>
-    </cs:fillRef>
-    <cs:effectRef idx="0"/>
-    <cs:fontRef idx="minor">
-      <a:schemeClr val="tx1"/>
-    </cs:fontRef>
-  </cs:dataPoint>
-  <cs:dataPoint3D>
-    <cs:lnRef idx="0"/>
-    <cs:fillRef idx="1">
-      <cs:styleClr val="auto"/>
-    </cs:fillRef>
-    <cs:effectRef idx="0"/>
-    <cs:fontRef idx="minor">
-      <a:schemeClr val="tx1"/>
-    </cs:fontRef>
-  </cs:dataPoint3D>
-  <cs:dataPointLine>
-    <cs:lnRef idx="0">
-      <cs:styleClr val="auto"/>
-    </cs:lnRef>
-    <cs:fillRef idx="1"/>
-    <cs:effectRef idx="0"/>
-    <cs:fontRef idx="minor">
-      <a:schemeClr val="tx1"/>
-    </cs:fontRef>
-    <cs:spPr>
-      <a:ln w="28575" cap="rnd">
-        <a:solidFill>
-          <a:schemeClr val="phClr"/>
-        </a:solidFill>
-        <a:round/>
-      </a:ln>
-    </cs:spPr>
-  </cs:dataPointLine>
-  <cs:dataPointMarker>
-    <cs:lnRef idx="0">
-      <cs:styleClr val="auto"/>
-    </cs:lnRef>
-    <cs:fillRef idx="1">
-      <cs:styleClr val="auto"/>
-    </cs:fillRef>
-    <cs:effectRef idx="0"/>
-    <cs:fontRef idx="minor">
-      <a:schemeClr val="tx1"/>
-    </cs:fontRef>
-    <cs:spPr>
-      <a:ln w="9525">
-        <a:solidFill>
-          <a:schemeClr val="phClr"/>
-        </a:solidFill>
-      </a:ln>
-    </cs:spPr>
-  </cs:dataPointMarker>
-  <cs:dataPointMarkerLayout symbol="circle" size="5"/>
-  <cs:dataPointWireframe>
-    <cs:lnRef idx="0">
-      <cs:styleClr val="auto"/>
-    </cs:lnRef>
-    <cs:fillRef idx="1"/>
-    <cs:effectRef idx="0"/>
-    <cs:fontRef idx="minor">
-      <a:schemeClr val="tx1"/>
-    </cs:fontRef>
-    <cs:spPr>
-      <a:ln w="9525" cap="rnd">
-        <a:solidFill>
-          <a:schemeClr val="phClr"/>
-        </a:solidFill>
-        <a:round/>
-      </a:ln>
-    </cs:spPr>
-  </cs:dataPointWireframe>
-  <cs:dataTable>
-    <cs:lnRef idx="0"/>
-    <cs:fillRef idx="0"/>
-    <cs:effectRef idx="0"/>
-    <cs:fontRef idx="minor">
-      <a:schemeClr val="tx1">
-        <a:lumMod val="65000"/>
-        <a:lumOff val="35000"/>
-      </a:schemeClr>
-    </cs:fontRef>
-    <cs:spPr>
-      <a:noFill/>
-      <a:ln w="9525" cap="flat" cmpd="sng" algn="ctr">
-        <a:solidFill>
-          <a:schemeClr val="tx1">
-            <a:lumMod val="15000"/>
-            <a:lumOff val="85000"/>
-          </a:schemeClr>
-        </a:solidFill>
-        <a:round/>
-      </a:ln>
-    </cs:spPr>
-    <cs:defRPr sz="1197" kern="1200"/>
-  </cs:dataTable>
-  <cs:downBar>
-    <cs:lnRef idx="0"/>
-    <cs:fillRef idx="0"/>
-    <cs:effectRef idx="0"/>
-    <cs:fontRef idx="minor">
-      <a:schemeClr val="dk1"/>
-    </cs:fontRef>
-    <cs:spPr>
-      <a:solidFill>
-        <a:schemeClr val="dk1">
-          <a:lumMod val="65000"/>
-          <a:lumOff val="35000"/>
-        </a:schemeClr>
-      </a:solidFill>
-      <a:ln w="9525">
-        <a:solidFill>
-          <a:schemeClr val="tx1">
-            <a:lumMod val="65000"/>
-            <a:lumOff val="35000"/>
-          </a:schemeClr>
-        </a:solidFill>
-      </a:ln>
-    </cs:spPr>
-  </cs:downBar>
-  <cs:dropLine>
-    <cs:lnRef idx="0"/>
-    <cs:fillRef idx="0"/>
-    <cs:effectRef idx="0"/>
-    <cs:fontRef idx="minor">
-      <a:schemeClr val="tx1"/>
-    </cs:fontRef>
-    <cs:spPr>
-      <a:ln w="9525" cap="flat" cmpd="sng" algn="ctr">
-        <a:solidFill>
-          <a:schemeClr val="tx1">
-            <a:lumMod val="35000"/>
-            <a:lumOff val="65000"/>
-          </a:schemeClr>
-        </a:solidFill>
-        <a:round/>
-      </a:ln>
-    </cs:spPr>
-  </cs:dropLine>
-  <cs:errorBar>
-    <cs:lnRef idx="0"/>
-    <cs:fillRef idx="0"/>
-    <cs:effectRef idx="0"/>
-    <cs:fontRef idx="minor">
-      <a:schemeClr val="tx1"/>
-    </cs:fontRef>
-    <cs:spPr>
-      <a:ln w="9525" cap="flat" cmpd="sng" algn="ctr">
-        <a:solidFill>
-          <a:schemeClr val="tx1">
-            <a:lumMod val="65000"/>
-            <a:lumOff val="35000"/>
-          </a:schemeClr>
-        </a:solidFill>
-        <a:round/>
-      </a:ln>
-    </cs:spPr>
-  </cs:errorBar>
-  <cs:floor>
-    <cs:lnRef idx="0"/>
-    <cs:fillRef idx="0"/>
-    <cs:effectRef idx="0"/>
-    <cs:fontRef idx="minor">
-      <a:schemeClr val="tx1"/>
-    </cs:fontRef>
-    <cs:spPr>
-      <a:noFill/>
-      <a:ln>
-        <a:noFill/>
-      </a:ln>
-    </cs:spPr>
-  </cs:floor>
-  <cs:gridlineMajor>
-    <cs:lnRef idx="0"/>
-    <cs:fillRef idx="0"/>
-    <cs:effectRef idx="0"/>
-    <cs:fontRef idx="minor">
-      <a:schemeClr val="tx1"/>
-    </cs:fontRef>
-    <cs:spPr>
-      <a:ln w="9525" cap="flat" cmpd="sng" algn="ctr">
-        <a:solidFill>
-          <a:schemeClr val="tx1">
-            <a:lumMod val="15000"/>
-            <a:lumOff val="85000"/>
-          </a:schemeClr>
-        </a:solidFill>
-        <a:round/>
-      </a:ln>
-    </cs:spPr>
-  </cs:gridlineMajor>
-  <cs:gridlineMinor>
-    <cs:lnRef idx="0"/>
-    <cs:fillRef idx="0"/>
-    <cs:effectRef idx="0"/>
-    <cs:fontRef idx="minor">
-      <a:schemeClr val="tx1"/>
-    </cs:fontRef>
-    <cs:spPr>
-      <a:ln w="9525" cap="flat" cmpd="sng" algn="ctr">
-        <a:solidFill>
-          <a:schemeClr val="tx1">
-            <a:lumMod val="5000"/>
-            <a:lumOff val="95000"/>
-          </a:schemeClr>
-        </a:solidFill>
-        <a:round/>
-      </a:ln>
-    </cs:spPr>
-  </cs:gridlineMinor>
-  <cs:hiLoLine>
-    <cs:lnRef idx="0"/>
-    <cs:fillRef idx="0"/>
-    <cs:effectRef idx="0"/>
-    <cs:fontRef idx="minor">
-      <a:schemeClr val="tx1"/>
-    </cs:fontRef>
-    <cs:spPr>
-      <a:ln w="9525" cap="flat" cmpd="sng" algn="ctr">
-        <a:solidFill>
-          <a:schemeClr val="tx1">
-            <a:lumMod val="75000"/>
-            <a:lumOff val="25000"/>
-          </a:schemeClr>
-        </a:solidFill>
-        <a:round/>
-      </a:ln>
-    </cs:spPr>
-  </cs:hiLoLine>
-  <cs:leaderLine>
-    <cs:lnRef idx="0"/>
-    <cs:fillRef idx="0"/>
-    <cs:effectRef idx="0"/>
-    <cs:fontRef idx="minor">
-      <a:schemeClr val="tx1"/>
-    </cs:fontRef>
-    <cs:spPr>
-      <a:ln w="9525" cap="flat" cmpd="sng" algn="ctr">
-        <a:solidFill>
-          <a:schemeClr val="tx1">
-            <a:lumMod val="35000"/>
-            <a:lumOff val="65000"/>
-          </a:schemeClr>
-        </a:solidFill>
-        <a:round/>
-      </a:ln>
-    </cs:spPr>
-  </cs:leaderLine>
-  <cs:legend>
-    <cs:lnRef idx="0"/>
-    <cs:fillRef idx="0"/>
-    <cs:effectRef idx="0"/>
-    <cs:fontRef idx="minor">
-      <a:schemeClr val="tx1">
-        <a:lumMod val="65000"/>
-        <a:lumOff val="35000"/>
-      </a:schemeClr>
-    </cs:fontRef>
-    <cs:defRPr sz="1197" kern="1200"/>
-  </cs:legend>
-  <cs:plotArea mods="allowNoFillOverride allowNoLineOverride">
-    <cs:lnRef idx="0"/>
-    <cs:fillRef idx="0"/>
-    <cs:effectRef idx="0"/>
-    <cs:fontRef idx="minor">
-      <a:schemeClr val="tx1"/>
-    </cs:fontRef>
-  </cs:plotArea>
-  <cs:plotArea3D mods="allowNoFillOverride allowNoLineOverride">
-    <cs:lnRef idx="0"/>
-    <cs:fillRef idx="0"/>
-    <cs:effectRef idx="0"/>
-    <cs:fontRef idx="minor">
-      <a:schemeClr val="tx1"/>
-    </cs:fontRef>
-  </cs:plotArea3D>
-  <cs:seriesAxis>
-    <cs:lnRef idx="0"/>
-    <cs:fillRef idx="0"/>
-    <cs:effectRef idx="0"/>
-    <cs:fontRef idx="minor">
-      <a:schemeClr val="tx1">
-        <a:lumMod val="65000"/>
-        <a:lumOff val="35000"/>
-      </a:schemeClr>
-    </cs:fontRef>
-    <cs:defRPr sz="1197" kern="1200"/>
-  </cs:seriesAxis>
-  <cs:seriesLine>
-    <cs:lnRef idx="0"/>
-    <cs:fillRef idx="0"/>
-    <cs:effectRef idx="0"/>
-    <cs:fontRef idx="minor">
-      <a:schemeClr val="tx1"/>
-    </cs:fontRef>
-    <cs:spPr>
-      <a:ln w="9525" cap="flat" cmpd="sng" algn="ctr">
-        <a:solidFill>
-          <a:schemeClr val="tx1">
-            <a:lumMod val="35000"/>
-            <a:lumOff val="65000"/>
-          </a:schemeClr>
-        </a:solidFill>
-        <a:round/>
-      </a:ln>
-    </cs:spPr>
-  </cs:seriesLine>
-  <cs:title>
-    <cs:lnRef idx="0"/>
-    <cs:fillRef idx="0"/>
-    <cs:effectRef idx="0"/>
-    <cs:fontRef idx="minor">
-      <a:schemeClr val="tx1">
-        <a:lumMod val="65000"/>
-        <a:lumOff val="35000"/>
-      </a:schemeClr>
-    </cs:fontRef>
-    <cs:defRPr sz="1862" b="0" kern="1200" spc="0" baseline="0"/>
-  </cs:title>
-  <cs:trendline>
-    <cs:lnRef idx="0">
-      <cs:styleClr val="auto"/>
-    </cs:lnRef>
-    <cs:fillRef idx="0"/>
-    <cs:effectRef idx="0"/>
-    <cs:fontRef idx="minor">
-      <a:schemeClr val="tx1"/>
-    </cs:fontRef>
-    <cs:spPr>
-      <a:ln w="19050" cap="rnd">
-        <a:solidFill>
-          <a:schemeClr val="phClr"/>
-        </a:solidFill>
-        <a:prstDash val="sysDot"/>
-      </a:ln>
-    </cs:spPr>
-  </cs:trendline>
-  <cs:trendlineLabel>
-    <cs:lnRef idx="0"/>
-    <cs:fillRef idx="0"/>
-    <cs:effectRef idx="0"/>
-    <cs:fontRef idx="minor">
-      <a:schemeClr val="tx1">
-        <a:lumMod val="65000"/>
-        <a:lumOff val="35000"/>
-      </a:schemeClr>
-    </cs:fontRef>
-    <cs:defRPr sz="1197" kern="1200"/>
-  </cs:trendlineLabel>
-  <cs:upBar>
-    <cs:lnRef idx="0"/>
-    <cs:fillRef idx="0"/>
-    <cs:effectRef idx="0"/>
-    <cs:fontRef idx="minor">
-      <a:schemeClr val="dk1"/>
-    </cs:fontRef>
-    <cs:spPr>
-      <a:solidFill>
-        <a:schemeClr val="lt1"/>
-      </a:solidFill>
-      <a:ln w="9525">
-        <a:solidFill>
-          <a:schemeClr val="tx1">
-            <a:lumMod val="15000"/>
-            <a:lumOff val="85000"/>
-          </a:schemeClr>
-        </a:solidFill>
-      </a:ln>
-    </cs:spPr>
-  </cs:upBar>
-  <cs:valueAxis>
-    <cs:lnRef idx="0"/>
-    <cs:fillRef idx="0"/>
-    <cs:effectRef idx="0"/>
-    <cs:fontRef idx="minor">
-      <a:schemeClr val="tx1">
-        <a:lumMod val="65000"/>
-        <a:lumOff val="35000"/>
-      </a:schemeClr>
-    </cs:fontRef>
-    <cs:defRPr sz="1197" kern="1200"/>
-  </cs:valueAxis>
-  <cs:wall>
-    <cs:lnRef idx="0"/>
-    <cs:fillRef idx="0"/>
-    <cs:effectRef idx="0"/>
-    <cs:fontRef idx="minor">
-      <a:schemeClr val="tx1"/>
-    </cs:fontRef>
-    <cs:spPr>
-      <a:noFill/>
-      <a:ln>
-        <a:noFill/>
-      </a:ln>
-    </cs:spPr>
-  </cs:wall>
-</cs:chartStyle>
 </file>
 
 <file path=ppt/diagrams/colors1.xml><?xml version="1.0" encoding="utf-8"?>
@@ -2036,7 +1078,7 @@
         <a:p>
           <a:r>
             <a:rPr lang="en-US" dirty="0" smtClean="0"/>
-            <a:t>Task description</a:t>
+            <a:t>Set Rules</a:t>
           </a:r>
           <a:endParaRPr lang="en-US" dirty="0"/>
         </a:p>
@@ -2073,7 +1115,7 @@
         <a:p>
           <a:r>
             <a:rPr lang="en-US" dirty="0" smtClean="0"/>
-            <a:t>Task description</a:t>
+            <a:t>Run Simulation</a:t>
           </a:r>
           <a:endParaRPr lang="en-US" dirty="0"/>
         </a:p>
@@ -2147,7 +1189,7 @@
         <a:p>
           <a:r>
             <a:rPr lang="en-US" dirty="0" smtClean="0"/>
-            <a:t>Task description</a:t>
+            <a:t>Failed Model</a:t>
           </a:r>
           <a:endParaRPr lang="en-US" dirty="0"/>
         </a:p>
@@ -2220,8 +1262,8 @@
         <a:lstStyle/>
         <a:p>
           <a:r>
-            <a:rPr lang="en-US" smtClean="0"/>
-            <a:t>Task description</a:t>
+            <a:rPr lang="en-US" dirty="0" smtClean="0"/>
+            <a:t>How, why?</a:t>
           </a:r>
           <a:endParaRPr lang="en-US" dirty="0"/>
         </a:p>
@@ -2258,7 +1300,7 @@
         <a:p>
           <a:r>
             <a:rPr lang="en-US" dirty="0" smtClean="0"/>
-            <a:t>Task description</a:t>
+            <a:t>Previous Model Results</a:t>
           </a:r>
           <a:endParaRPr lang="en-US" dirty="0"/>
         </a:p>
@@ -2295,7 +1337,7 @@
         <a:p>
           <a:r>
             <a:rPr lang="en-US" dirty="0" smtClean="0"/>
-            <a:t>Task description</a:t>
+            <a:t>Possible new rules?</a:t>
           </a:r>
           <a:endParaRPr lang="en-US" dirty="0"/>
         </a:p>
@@ -2550,33 +1592,33 @@
     </dgm:pt>
   </dgm:ptLst>
   <dgm:cxnLst>
+    <dgm:cxn modelId="{E113FEAA-1F7F-443C-BD88-38A807CEBD28}" type="presOf" srcId="{0B00F5A8-A0EF-4111-9D86-004317B4F49E}" destId="{67FFE978-6FBE-4424-80BE-B9E4B4DD0695}" srcOrd="1" destOrd="0" presId="urn:microsoft.com/office/officeart/2005/8/layout/hProcess4"/>
+    <dgm:cxn modelId="{0731A115-58A3-481B-8A1D-4C0F1D56F785}" type="presOf" srcId="{FB986F71-3126-4196-BD30-74AEDC39A1CA}" destId="{E18C6CF4-EDEB-4539-A36D-E0355B626199}" srcOrd="0" destOrd="0" presId="urn:microsoft.com/office/officeart/2005/8/layout/hProcess4"/>
+    <dgm:cxn modelId="{A63D53AC-541A-4D09-9620-8B1C8D7B91DE}" srcId="{0E9DE493-19D7-4EC9-97C9-5F26233F1106}" destId="{F6D27D1B-CDCB-481F-B8FA-AB31B2A119DE}" srcOrd="1" destOrd="0" parTransId="{8A7BF306-8E53-4B16-9E7E-A79AE3DF6BE2}" sibTransId="{7AEB6639-3258-49E8-8B1F-B4A9C61922BE}"/>
+    <dgm:cxn modelId="{1423FC72-83C7-4510-8021-28EAEA493E68}" srcId="{0E9DE493-19D7-4EC9-97C9-5F26233F1106}" destId="{FB986F71-3126-4196-BD30-74AEDC39A1CA}" srcOrd="0" destOrd="0" parTransId="{9B3CE34A-9B3E-4D5F-94E0-DFBB94FF5A03}" sibTransId="{D0B150DF-3AA4-454C-8652-25880449C422}"/>
+    <dgm:cxn modelId="{1BE66046-E00C-4ECF-A4C7-64A3E9346530}" type="presOf" srcId="{68838C34-4D02-49F8-ADD7-BFA90D87B7EA}" destId="{69C28D3B-E083-42DF-9EA0-916CA12125A9}" srcOrd="0" destOrd="0" presId="urn:microsoft.com/office/officeart/2005/8/layout/hProcess4"/>
+    <dgm:cxn modelId="{0C99A0E7-7B5A-462A-BC31-41CB3B1D1005}" type="presOf" srcId="{0E9DE493-19D7-4EC9-97C9-5F26233F1106}" destId="{3960CFF8-4383-4382-8D6D-F2A00F508E8D}" srcOrd="0" destOrd="0" presId="urn:microsoft.com/office/officeart/2005/8/layout/hProcess4"/>
+    <dgm:cxn modelId="{F3D001C7-FD84-41F5-B497-6421DAD4965E}" type="presOf" srcId="{65B6D8B9-E558-4264-B37F-7B4B2A8896DF}" destId="{E83793B4-2C5C-4D90-82FA-E5EE4745664D}" srcOrd="0" destOrd="1" presId="urn:microsoft.com/office/officeart/2005/8/layout/hProcess4"/>
+    <dgm:cxn modelId="{878AE697-35FC-403D-92A3-0B92F7B7EB7A}" type="presOf" srcId="{0B00F5A8-A0EF-4111-9D86-004317B4F49E}" destId="{E83793B4-2C5C-4D90-82FA-E5EE4745664D}" srcOrd="0" destOrd="0" presId="urn:microsoft.com/office/officeart/2005/8/layout/hProcess4"/>
+    <dgm:cxn modelId="{A106624A-0005-41D4-B64A-901644325FEA}" type="presOf" srcId="{6E7DBE00-7E5B-46F8-BBA0-CF0079A58E82}" destId="{843715D2-C2C2-41EB-BDA3-21230FBA46DB}" srcOrd="1" destOrd="1" presId="urn:microsoft.com/office/officeart/2005/8/layout/hProcess4"/>
+    <dgm:cxn modelId="{DC0556BF-DB8E-4C8C-A27B-FEA575AE48F1}" type="presOf" srcId="{68838C34-4D02-49F8-ADD7-BFA90D87B7EA}" destId="{843715D2-C2C2-41EB-BDA3-21230FBA46DB}" srcOrd="1" destOrd="0" presId="urn:microsoft.com/office/officeart/2005/8/layout/hProcess4"/>
+    <dgm:cxn modelId="{CA96E113-7151-48C8-B4D5-7AA211772CC8}" srcId="{F6D27D1B-CDCB-481F-B8FA-AB31B2A119DE}" destId="{65B6D8B9-E558-4264-B37F-7B4B2A8896DF}" srcOrd="1" destOrd="0" parTransId="{04F5A724-3AA7-4E78-B992-BCB3E916993F}" sibTransId="{370A79FF-9957-49E1-811F-78AB198DD9E0}"/>
+    <dgm:cxn modelId="{4143D757-8617-4C89-8322-E3B29A1874AF}" srcId="{58828492-5CEF-4AFE-95CB-5D7E6A18158B}" destId="{68838C34-4D02-49F8-ADD7-BFA90D87B7EA}" srcOrd="0" destOrd="0" parTransId="{F2AD00AD-6A23-4C89-A107-68EF5D1F0B94}" sibTransId="{FFC4FCE7-6F2F-4F91-A74A-7C4C32A81657}"/>
+    <dgm:cxn modelId="{004946A5-CBD1-4C7F-A823-A85DAC245DF7}" type="presOf" srcId="{6E7DBE00-7E5B-46F8-BBA0-CF0079A58E82}" destId="{69C28D3B-E083-42DF-9EA0-916CA12125A9}" srcOrd="0" destOrd="1" presId="urn:microsoft.com/office/officeart/2005/8/layout/hProcess4"/>
+    <dgm:cxn modelId="{792CF8D9-766B-49FE-B851-31297691E0C7}" type="presOf" srcId="{AB2E8498-CC81-452F-A895-08F3845AA347}" destId="{96015622-8A46-45CF-A72A-2856B699B374}" srcOrd="0" destOrd="0" presId="urn:microsoft.com/office/officeart/2005/8/layout/hProcess4"/>
+    <dgm:cxn modelId="{86F910E7-C9D0-48E5-A3A3-C70127E96FC1}" srcId="{F6D27D1B-CDCB-481F-B8FA-AB31B2A119DE}" destId="{0B00F5A8-A0EF-4111-9D86-004317B4F49E}" srcOrd="0" destOrd="0" parTransId="{EC916B99-8D26-4265-B7BE-BB461C68DA5C}" sibTransId="{CE48C676-980A-4BAC-A3C8-9ABC315DAE51}"/>
+    <dgm:cxn modelId="{0DE04CA7-8D0A-42E1-B07A-0D64581626CA}" type="presOf" srcId="{7AEB6639-3258-49E8-8B1F-B4A9C61922BE}" destId="{DC2A0ADB-DCE3-4BF4-9952-0394865777AC}" srcOrd="0" destOrd="0" presId="urn:microsoft.com/office/officeart/2005/8/layout/hProcess4"/>
+    <dgm:cxn modelId="{2D5B3E3B-3EE5-4072-933E-27DF5400591C}" srcId="{FB986F71-3126-4196-BD30-74AEDC39A1CA}" destId="{AB2E8498-CC81-452F-A895-08F3845AA347}" srcOrd="0" destOrd="0" parTransId="{4C65E2C8-0CBB-4D8C-AD60-6B0105C62B84}" sibTransId="{9A1F3304-AA9E-4FBC-89BA-9095C80E47C9}"/>
+    <dgm:cxn modelId="{3D080EE7-BDF0-495B-A4FB-103A296CD73B}" srcId="{58828492-5CEF-4AFE-95CB-5D7E6A18158B}" destId="{6E7DBE00-7E5B-46F8-BBA0-CF0079A58E82}" srcOrd="1" destOrd="0" parTransId="{6FAC7821-43C2-4A12-9638-E9B1BDE7C8D8}" sibTransId="{65147ED7-18A4-49A5-9AEE-066FB0363316}"/>
     <dgm:cxn modelId="{0C68F2E9-D20E-4DD0-B6CB-F7DB9484C868}" type="presOf" srcId="{BF381BD4-48DC-48BF-8C18-C307CDD4D490}" destId="{BFE859F2-A9E8-4F95-9161-8EC68F2D30C4}" srcOrd="1" destOrd="1" presId="urn:microsoft.com/office/officeart/2005/8/layout/hProcess4"/>
-    <dgm:cxn modelId="{1423FC72-83C7-4510-8021-28EAEA493E68}" srcId="{0E9DE493-19D7-4EC9-97C9-5F26233F1106}" destId="{FB986F71-3126-4196-BD30-74AEDC39A1CA}" srcOrd="0" destOrd="0" parTransId="{9B3CE34A-9B3E-4D5F-94E0-DFBB94FF5A03}" sibTransId="{D0B150DF-3AA4-454C-8652-25880449C422}"/>
+    <dgm:cxn modelId="{300E722A-937B-4681-BF9C-7933B3C6956A}" type="presOf" srcId="{F6D27D1B-CDCB-481F-B8FA-AB31B2A119DE}" destId="{029D1FDE-4DD7-4FA5-8C70-0C747477B66C}" srcOrd="0" destOrd="0" presId="urn:microsoft.com/office/officeart/2005/8/layout/hProcess4"/>
+    <dgm:cxn modelId="{E9730C94-0A42-4F8E-B45A-02CE25449719}" type="presOf" srcId="{AB2E8498-CC81-452F-A895-08F3845AA347}" destId="{BFE859F2-A9E8-4F95-9161-8EC68F2D30C4}" srcOrd="1" destOrd="0" presId="urn:microsoft.com/office/officeart/2005/8/layout/hProcess4"/>
+    <dgm:cxn modelId="{C875BEE4-598B-4FE7-9AAC-474318887EB0}" type="presOf" srcId="{D0B150DF-3AA4-454C-8652-25880449C422}" destId="{6A63D16E-EEE6-4267-97EA-5AD7D2BC4E84}" srcOrd="0" destOrd="0" presId="urn:microsoft.com/office/officeart/2005/8/layout/hProcess4"/>
     <dgm:cxn modelId="{3B2CD89C-CF67-43E3-9293-C53C72995678}" type="presOf" srcId="{BF381BD4-48DC-48BF-8C18-C307CDD4D490}" destId="{96015622-8A46-45CF-A72A-2856B699B374}" srcOrd="0" destOrd="1" presId="urn:microsoft.com/office/officeart/2005/8/layout/hProcess4"/>
-    <dgm:cxn modelId="{A106624A-0005-41D4-B64A-901644325FEA}" type="presOf" srcId="{6E7DBE00-7E5B-46F8-BBA0-CF0079A58E82}" destId="{843715D2-C2C2-41EB-BDA3-21230FBA46DB}" srcOrd="1" destOrd="1" presId="urn:microsoft.com/office/officeart/2005/8/layout/hProcess4"/>
-    <dgm:cxn modelId="{4143D757-8617-4C89-8322-E3B29A1874AF}" srcId="{58828492-5CEF-4AFE-95CB-5D7E6A18158B}" destId="{68838C34-4D02-49F8-ADD7-BFA90D87B7EA}" srcOrd="0" destOrd="0" parTransId="{F2AD00AD-6A23-4C89-A107-68EF5D1F0B94}" sibTransId="{FFC4FCE7-6F2F-4F91-A74A-7C4C32A81657}"/>
-    <dgm:cxn modelId="{0C99A0E7-7B5A-462A-BC31-41CB3B1D1005}" type="presOf" srcId="{0E9DE493-19D7-4EC9-97C9-5F26233F1106}" destId="{3960CFF8-4383-4382-8D6D-F2A00F508E8D}" srcOrd="0" destOrd="0" presId="urn:microsoft.com/office/officeart/2005/8/layout/hProcess4"/>
-    <dgm:cxn modelId="{300E722A-937B-4681-BF9C-7933B3C6956A}" type="presOf" srcId="{F6D27D1B-CDCB-481F-B8FA-AB31B2A119DE}" destId="{029D1FDE-4DD7-4FA5-8C70-0C747477B66C}" srcOrd="0" destOrd="0" presId="urn:microsoft.com/office/officeart/2005/8/layout/hProcess4"/>
-    <dgm:cxn modelId="{0DE04CA7-8D0A-42E1-B07A-0D64581626CA}" type="presOf" srcId="{7AEB6639-3258-49E8-8B1F-B4A9C61922BE}" destId="{DC2A0ADB-DCE3-4BF4-9952-0394865777AC}" srcOrd="0" destOrd="0" presId="urn:microsoft.com/office/officeart/2005/8/layout/hProcess4"/>
-    <dgm:cxn modelId="{878AE697-35FC-403D-92A3-0B92F7B7EB7A}" type="presOf" srcId="{0B00F5A8-A0EF-4111-9D86-004317B4F49E}" destId="{E83793B4-2C5C-4D90-82FA-E5EE4745664D}" srcOrd="0" destOrd="0" presId="urn:microsoft.com/office/officeart/2005/8/layout/hProcess4"/>
-    <dgm:cxn modelId="{E9730C94-0A42-4F8E-B45A-02CE25449719}" type="presOf" srcId="{AB2E8498-CC81-452F-A895-08F3845AA347}" destId="{BFE859F2-A9E8-4F95-9161-8EC68F2D30C4}" srcOrd="1" destOrd="0" presId="urn:microsoft.com/office/officeart/2005/8/layout/hProcess4"/>
-    <dgm:cxn modelId="{0731A115-58A3-481B-8A1D-4C0F1D56F785}" type="presOf" srcId="{FB986F71-3126-4196-BD30-74AEDC39A1CA}" destId="{E18C6CF4-EDEB-4539-A36D-E0355B626199}" srcOrd="0" destOrd="0" presId="urn:microsoft.com/office/officeart/2005/8/layout/hProcess4"/>
-    <dgm:cxn modelId="{C875BEE4-598B-4FE7-9AAC-474318887EB0}" type="presOf" srcId="{D0B150DF-3AA4-454C-8652-25880449C422}" destId="{6A63D16E-EEE6-4267-97EA-5AD7D2BC4E84}" srcOrd="0" destOrd="0" presId="urn:microsoft.com/office/officeart/2005/8/layout/hProcess4"/>
     <dgm:cxn modelId="{5F9EDECD-FB20-4615-B5EC-47255B2B532F}" srcId="{FB986F71-3126-4196-BD30-74AEDC39A1CA}" destId="{BF381BD4-48DC-48BF-8C18-C307CDD4D490}" srcOrd="1" destOrd="0" parTransId="{5D881325-883F-44A1-A5FB-E01856D07A5B}" sibTransId="{2C645F98-BC4B-4797-BC42-0872EA7B0575}"/>
+    <dgm:cxn modelId="{ECE9152A-59A8-4A3A-9D34-DB38A074F636}" srcId="{0E9DE493-19D7-4EC9-97C9-5F26233F1106}" destId="{58828492-5CEF-4AFE-95CB-5D7E6A18158B}" srcOrd="2" destOrd="0" parTransId="{F664BA43-1B81-496F-A04E-CE4B4A525697}" sibTransId="{2D386477-EC66-449A-8D41-5F8A212C3D8E}"/>
+    <dgm:cxn modelId="{56878CDA-253E-4C45-8745-6F7C37074EAE}" type="presOf" srcId="{58828492-5CEF-4AFE-95CB-5D7E6A18158B}" destId="{047F5837-10E2-4FFC-A492-DB8A19EF48CA}" srcOrd="0" destOrd="0" presId="urn:microsoft.com/office/officeart/2005/8/layout/hProcess4"/>
     <dgm:cxn modelId="{8593019D-C207-4E1B-B1C1-18E0CC95AA04}" type="presOf" srcId="{65B6D8B9-E558-4264-B37F-7B4B2A8896DF}" destId="{67FFE978-6FBE-4424-80BE-B9E4B4DD0695}" srcOrd="1" destOrd="1" presId="urn:microsoft.com/office/officeart/2005/8/layout/hProcess4"/>
-    <dgm:cxn modelId="{F3D001C7-FD84-41F5-B497-6421DAD4965E}" type="presOf" srcId="{65B6D8B9-E558-4264-B37F-7B4B2A8896DF}" destId="{E83793B4-2C5C-4D90-82FA-E5EE4745664D}" srcOrd="0" destOrd="1" presId="urn:microsoft.com/office/officeart/2005/8/layout/hProcess4"/>
-    <dgm:cxn modelId="{DC0556BF-DB8E-4C8C-A27B-FEA575AE48F1}" type="presOf" srcId="{68838C34-4D02-49F8-ADD7-BFA90D87B7EA}" destId="{843715D2-C2C2-41EB-BDA3-21230FBA46DB}" srcOrd="1" destOrd="0" presId="urn:microsoft.com/office/officeart/2005/8/layout/hProcess4"/>
-    <dgm:cxn modelId="{004946A5-CBD1-4C7F-A823-A85DAC245DF7}" type="presOf" srcId="{6E7DBE00-7E5B-46F8-BBA0-CF0079A58E82}" destId="{69C28D3B-E083-42DF-9EA0-916CA12125A9}" srcOrd="0" destOrd="1" presId="urn:microsoft.com/office/officeart/2005/8/layout/hProcess4"/>
-    <dgm:cxn modelId="{56878CDA-253E-4C45-8745-6F7C37074EAE}" type="presOf" srcId="{58828492-5CEF-4AFE-95CB-5D7E6A18158B}" destId="{047F5837-10E2-4FFC-A492-DB8A19EF48CA}" srcOrd="0" destOrd="0" presId="urn:microsoft.com/office/officeart/2005/8/layout/hProcess4"/>
-    <dgm:cxn modelId="{E113FEAA-1F7F-443C-BD88-38A807CEBD28}" type="presOf" srcId="{0B00F5A8-A0EF-4111-9D86-004317B4F49E}" destId="{67FFE978-6FBE-4424-80BE-B9E4B4DD0695}" srcOrd="1" destOrd="0" presId="urn:microsoft.com/office/officeart/2005/8/layout/hProcess4"/>
-    <dgm:cxn modelId="{A63D53AC-541A-4D09-9620-8B1C8D7B91DE}" srcId="{0E9DE493-19D7-4EC9-97C9-5F26233F1106}" destId="{F6D27D1B-CDCB-481F-B8FA-AB31B2A119DE}" srcOrd="1" destOrd="0" parTransId="{8A7BF306-8E53-4B16-9E7E-A79AE3DF6BE2}" sibTransId="{7AEB6639-3258-49E8-8B1F-B4A9C61922BE}"/>
-    <dgm:cxn modelId="{CA96E113-7151-48C8-B4D5-7AA211772CC8}" srcId="{F6D27D1B-CDCB-481F-B8FA-AB31B2A119DE}" destId="{65B6D8B9-E558-4264-B37F-7B4B2A8896DF}" srcOrd="1" destOrd="0" parTransId="{04F5A724-3AA7-4E78-B992-BCB3E916993F}" sibTransId="{370A79FF-9957-49E1-811F-78AB198DD9E0}"/>
-    <dgm:cxn modelId="{3D080EE7-BDF0-495B-A4FB-103A296CD73B}" srcId="{58828492-5CEF-4AFE-95CB-5D7E6A18158B}" destId="{6E7DBE00-7E5B-46F8-BBA0-CF0079A58E82}" srcOrd="1" destOrd="0" parTransId="{6FAC7821-43C2-4A12-9638-E9B1BDE7C8D8}" sibTransId="{65147ED7-18A4-49A5-9AEE-066FB0363316}"/>
-    <dgm:cxn modelId="{1BE66046-E00C-4ECF-A4C7-64A3E9346530}" type="presOf" srcId="{68838C34-4D02-49F8-ADD7-BFA90D87B7EA}" destId="{69C28D3B-E083-42DF-9EA0-916CA12125A9}" srcOrd="0" destOrd="0" presId="urn:microsoft.com/office/officeart/2005/8/layout/hProcess4"/>
-    <dgm:cxn modelId="{86F910E7-C9D0-48E5-A3A3-C70127E96FC1}" srcId="{F6D27D1B-CDCB-481F-B8FA-AB31B2A119DE}" destId="{0B00F5A8-A0EF-4111-9D86-004317B4F49E}" srcOrd="0" destOrd="0" parTransId="{EC916B99-8D26-4265-B7BE-BB461C68DA5C}" sibTransId="{CE48C676-980A-4BAC-A3C8-9ABC315DAE51}"/>
-    <dgm:cxn modelId="{ECE9152A-59A8-4A3A-9D34-DB38A074F636}" srcId="{0E9DE493-19D7-4EC9-97C9-5F26233F1106}" destId="{58828492-5CEF-4AFE-95CB-5D7E6A18158B}" srcOrd="2" destOrd="0" parTransId="{F664BA43-1B81-496F-A04E-CE4B4A525697}" sibTransId="{2D386477-EC66-449A-8D41-5F8A212C3D8E}"/>
-    <dgm:cxn modelId="{792CF8D9-766B-49FE-B851-31297691E0C7}" type="presOf" srcId="{AB2E8498-CC81-452F-A895-08F3845AA347}" destId="{96015622-8A46-45CF-A72A-2856B699B374}" srcOrd="0" destOrd="0" presId="urn:microsoft.com/office/officeart/2005/8/layout/hProcess4"/>
-    <dgm:cxn modelId="{2D5B3E3B-3EE5-4072-933E-27DF5400591C}" srcId="{FB986F71-3126-4196-BD30-74AEDC39A1CA}" destId="{AB2E8498-CC81-452F-A895-08F3845AA347}" srcOrd="0" destOrd="0" parTransId="{4C65E2C8-0CBB-4D8C-AD60-6B0105C62B84}" sibTransId="{9A1F3304-AA9E-4FBC-89BA-9095C80E47C9}"/>
     <dgm:cxn modelId="{7BE7AED0-385C-460E-A868-06962FF7BF4D}" type="presParOf" srcId="{3960CFF8-4383-4382-8D6D-F2A00F508E8D}" destId="{366CFF54-5C8F-47F9-BFD8-D9AF3EADDA3E}" srcOrd="0" destOrd="0" presId="urn:microsoft.com/office/officeart/2005/8/layout/hProcess4"/>
     <dgm:cxn modelId="{7C708C67-6B57-4F62-BFC8-44484A4BB8C4}" type="presParOf" srcId="{3960CFF8-4383-4382-8D6D-F2A00F508E8D}" destId="{13688FBD-4079-41FE-A6A2-B5B0F293E6BF}" srcOrd="1" destOrd="0" presId="urn:microsoft.com/office/officeart/2005/8/layout/hProcess4"/>
     <dgm:cxn modelId="{697CCE2B-9683-4DC0-A208-89C15D73093F}" type="presParOf" srcId="{3960CFF8-4383-4382-8D6D-F2A00F508E8D}" destId="{224851B6-C14D-49DE-883B-A13003DA4601}" srcOrd="2" destOrd="0" presId="urn:microsoft.com/office/officeart/2005/8/layout/hProcess4"/>
@@ -2671,12 +1713,12 @@
         <a:fontRef idx="minor"/>
       </dsp:style>
       <dsp:txBody>
-        <a:bodyPr spcFirstLastPara="0" vert="horz" wrap="square" lIns="45720" tIns="45720" rIns="45720" bIns="45720" numCol="1" spcCol="1270" anchor="t" anchorCtr="0">
+        <a:bodyPr spcFirstLastPara="0" vert="horz" wrap="square" lIns="51435" tIns="51435" rIns="51435" bIns="51435" numCol="1" spcCol="1270" anchor="t" anchorCtr="0">
           <a:noAutofit/>
         </a:bodyPr>
         <a:lstStyle/>
         <a:p>
-          <a:pPr marL="228600" lvl="1" indent="-228600" algn="l" defTabSz="1066800">
+          <a:pPr marL="228600" lvl="1" indent="-228600" algn="l" defTabSz="1200150">
             <a:lnSpc>
               <a:spcPct val="90000"/>
             </a:lnSpc>
@@ -2689,13 +1731,13 @@
             <a:buChar char="••"/>
           </a:pPr>
           <a:r>
-            <a:rPr lang="en-US" sz="2400" kern="1200" dirty="0" smtClean="0"/>
-            <a:t>Task description</a:t>
+            <a:rPr lang="en-US" sz="2700" kern="1200" dirty="0" smtClean="0"/>
+            <a:t>Set Rules</a:t>
           </a:r>
-          <a:endParaRPr lang="en-US" sz="2400" kern="1200" dirty="0"/>
+          <a:endParaRPr lang="en-US" sz="2700" kern="1200" dirty="0"/>
         </a:p>
         <a:p>
-          <a:pPr marL="228600" lvl="1" indent="-228600" algn="l" defTabSz="1066800">
+          <a:pPr marL="228600" lvl="1" indent="-228600" algn="l" defTabSz="1200150">
             <a:lnSpc>
               <a:spcPct val="90000"/>
             </a:lnSpc>
@@ -2708,10 +1750,10 @@
             <a:buChar char="••"/>
           </a:pPr>
           <a:r>
-            <a:rPr lang="en-US" sz="2400" kern="1200" dirty="0" smtClean="0"/>
-            <a:t>Task description</a:t>
+            <a:rPr lang="en-US" sz="2700" kern="1200" dirty="0" smtClean="0"/>
+            <a:t>Run Simulation</a:t>
           </a:r>
-          <a:endParaRPr lang="en-US" sz="2400" kern="1200" dirty="0"/>
+          <a:endParaRPr lang="en-US" sz="2700" kern="1200" dirty="0"/>
         </a:p>
       </dsp:txBody>
       <dsp:txXfrm>
@@ -2967,12 +2009,12 @@
         <a:fontRef idx="minor"/>
       </dsp:style>
       <dsp:txBody>
-        <a:bodyPr spcFirstLastPara="0" vert="horz" wrap="square" lIns="45720" tIns="45720" rIns="45720" bIns="45720" numCol="1" spcCol="1270" anchor="t" anchorCtr="0">
+        <a:bodyPr spcFirstLastPara="0" vert="horz" wrap="square" lIns="51435" tIns="51435" rIns="51435" bIns="51435" numCol="1" spcCol="1270" anchor="t" anchorCtr="0">
           <a:noAutofit/>
         </a:bodyPr>
         <a:lstStyle/>
         <a:p>
-          <a:pPr marL="228600" lvl="1" indent="-228600" algn="l" defTabSz="1066800">
+          <a:pPr marL="228600" lvl="1" indent="-228600" algn="l" defTabSz="1200150">
             <a:lnSpc>
               <a:spcPct val="90000"/>
             </a:lnSpc>
@@ -2985,13 +2027,13 @@
             <a:buChar char="••"/>
           </a:pPr>
           <a:r>
-            <a:rPr lang="en-US" sz="2400" kern="1200" dirty="0" smtClean="0"/>
-            <a:t>Task description</a:t>
+            <a:rPr lang="en-US" sz="2700" kern="1200" dirty="0" smtClean="0"/>
+            <a:t>Failed Model</a:t>
           </a:r>
-          <a:endParaRPr lang="en-US" sz="2400" kern="1200" dirty="0"/>
+          <a:endParaRPr lang="en-US" sz="2700" kern="1200" dirty="0"/>
         </a:p>
         <a:p>
-          <a:pPr marL="228600" lvl="1" indent="-228600" algn="l" defTabSz="1066800">
+          <a:pPr marL="228600" lvl="1" indent="-228600" algn="l" defTabSz="1200150">
             <a:lnSpc>
               <a:spcPct val="90000"/>
             </a:lnSpc>
@@ -3004,10 +2046,10 @@
             <a:buChar char="••"/>
           </a:pPr>
           <a:r>
-            <a:rPr lang="en-US" sz="2400" kern="1200" dirty="0" smtClean="0"/>
-            <a:t>Task description</a:t>
+            <a:rPr lang="en-US" sz="2700" kern="1200" dirty="0" smtClean="0"/>
+            <a:t>Previous Model Results</a:t>
           </a:r>
-          <a:endParaRPr lang="en-US" sz="2400" kern="1200" dirty="0"/>
+          <a:endParaRPr lang="en-US" sz="2700" kern="1200" dirty="0"/>
         </a:p>
       </dsp:txBody>
       <dsp:txXfrm>
@@ -3039,7 +2081,7 @@
             <a:gs pos="0">
               <a:schemeClr val="accent1">
                 <a:shade val="90000"/>
-                <a:hueOff val="361868"/>
+                <a:hueOff val="361866"/>
                 <a:satOff val="12502"/>
                 <a:lumOff val="24506"/>
                 <a:alphaOff val="0"/>
@@ -3051,7 +2093,7 @@
             <a:gs pos="50000">
               <a:schemeClr val="accent1">
                 <a:shade val="90000"/>
-                <a:hueOff val="361868"/>
+                <a:hueOff val="361866"/>
                 <a:satOff val="12502"/>
                 <a:lumOff val="24506"/>
                 <a:alphaOff val="0"/>
@@ -3063,7 +2105,7 @@
             <a:gs pos="100000">
               <a:schemeClr val="accent1">
                 <a:shade val="90000"/>
-                <a:hueOff val="361868"/>
+                <a:hueOff val="361866"/>
                 <a:satOff val="12502"/>
                 <a:lumOff val="24506"/>
                 <a:alphaOff val="0"/>
@@ -3263,12 +2305,12 @@
         <a:fontRef idx="minor"/>
       </dsp:style>
       <dsp:txBody>
-        <a:bodyPr spcFirstLastPara="0" vert="horz" wrap="square" lIns="45720" tIns="45720" rIns="45720" bIns="45720" numCol="1" spcCol="1270" anchor="t" anchorCtr="0">
+        <a:bodyPr spcFirstLastPara="0" vert="horz" wrap="square" lIns="51435" tIns="51435" rIns="51435" bIns="51435" numCol="1" spcCol="1270" anchor="t" anchorCtr="0">
           <a:noAutofit/>
         </a:bodyPr>
         <a:lstStyle/>
         <a:p>
-          <a:pPr marL="228600" lvl="1" indent="-228600" algn="l" defTabSz="1066800">
+          <a:pPr marL="228600" lvl="1" indent="-228600" algn="l" defTabSz="1200150">
             <a:lnSpc>
               <a:spcPct val="90000"/>
             </a:lnSpc>
@@ -3281,13 +2323,13 @@
             <a:buChar char="••"/>
           </a:pPr>
           <a:r>
-            <a:rPr lang="en-US" sz="2400" kern="1200" smtClean="0"/>
-            <a:t>Task description</a:t>
+            <a:rPr lang="en-US" sz="2700" kern="1200" dirty="0" smtClean="0"/>
+            <a:t>How, why?</a:t>
           </a:r>
-          <a:endParaRPr lang="en-US" sz="2400" kern="1200" dirty="0"/>
+          <a:endParaRPr lang="en-US" sz="2700" kern="1200" dirty="0"/>
         </a:p>
         <a:p>
-          <a:pPr marL="228600" lvl="1" indent="-228600" algn="l" defTabSz="1066800">
+          <a:pPr marL="228600" lvl="1" indent="-228600" algn="l" defTabSz="1200150">
             <a:lnSpc>
               <a:spcPct val="90000"/>
             </a:lnSpc>
@@ -3300,10 +2342,10 @@
             <a:buChar char="••"/>
           </a:pPr>
           <a:r>
-            <a:rPr lang="en-US" sz="2400" kern="1200" dirty="0" smtClean="0"/>
-            <a:t>Task description</a:t>
+            <a:rPr lang="en-US" sz="2700" kern="1200" dirty="0" smtClean="0"/>
+            <a:t>Possible new rules?</a:t>
           </a:r>
-          <a:endParaRPr lang="en-US" sz="2400" kern="1200" dirty="0"/>
+          <a:endParaRPr lang="en-US" sz="2700" kern="1200" dirty="0"/>
         </a:p>
       </dsp:txBody>
       <dsp:txXfrm>
@@ -8885,7 +7927,7 @@
   </p:txStyles>
   <p:extLst>
     <p:ext uri="{27BBF7A9-308A-43DC-89C8-2F10F3537804}">
-      <p15:sldGuideLst xmlns:p15="http://schemas.microsoft.com/office/powerpoint/2012/main">
+      <p15:sldGuideLst xmlns:p15="http://schemas.microsoft.com/office/powerpoint/2012/main" xmlns="">
         <p15:guide id="1" pos="3839" userDrawn="1">
           <p15:clr>
             <a:srgbClr val="F26B43"/>
@@ -8919,6 +7961,58 @@
           <a:chExt cx="0" cy="0"/>
         </a:xfrm>
       </p:grpSpPr>
+      <p:pic>
+        <p:nvPicPr>
+          <p:cNvPr id="2050" name="Picture 2" descr="http://www.csiberkeley.com/files/images/SAP15_770.jpg"/>
+          <p:cNvPicPr>
+            <a:picLocks noChangeAspect="1" noChangeArrowheads="1"/>
+          </p:cNvPicPr>
+          <p:nvPr/>
+        </p:nvPicPr>
+        <p:blipFill rotWithShape="1">
+          <a:blip r:embed="rId2">
+            <a:extLst>
+              <a:ext uri="{28A0092B-C50C-407E-A947-70E740481C1C}">
+                <a14:useLocalDpi xmlns:a14="http://schemas.microsoft.com/office/drawing/2010/main" val="0"/>
+              </a:ext>
+            </a:extLst>
+          </a:blip>
+          <a:srcRect r="21380"/>
+          <a:stretch/>
+        </p:blipFill>
+        <p:spPr bwMode="auto">
+          <a:xfrm>
+            <a:off x="6400248" y="1724844"/>
+            <a:ext cx="5766207" cy="4105275"/>
+          </a:xfrm>
+          <a:prstGeom prst="roundRect">
+            <a:avLst>
+              <a:gd name="adj" fmla="val 8594"/>
+            </a:avLst>
+          </a:prstGeom>
+          <a:solidFill>
+            <a:srgbClr val="FFFFFF">
+              <a:shade val="85000"/>
+            </a:srgbClr>
+          </a:solidFill>
+          <a:ln>
+            <a:noFill/>
+          </a:ln>
+          <a:effectLst>
+            <a:reflection blurRad="12700" stA="38000" endPos="28000" dist="5000" dir="5400000" sy="-100000" algn="bl" rotWithShape="0"/>
+            <a:softEdge rad="635000"/>
+          </a:effectLst>
+          <a:extLst>
+            <a:ext uri="{909E8E84-426E-40DD-AFC4-6F175D3DCCD1}">
+              <a14:hiddenFill xmlns:a14="http://schemas.microsoft.com/office/drawing/2010/main">
+                <a:solidFill>
+                  <a:srgbClr val="FFFFFF"/>
+                </a:solidFill>
+              </a14:hiddenFill>
+            </a:ext>
+          </a:extLst>
+        </p:spPr>
+      </p:pic>
       <p:sp>
         <p:nvSpPr>
           <p:cNvPr id="3" name="Title 2"/>
@@ -8962,14 +8056,45 @@
         </p:nvSpPr>
         <p:spPr/>
         <p:txBody>
-          <a:bodyPr/>
+          <a:bodyPr>
+            <a:normAutofit/>
+          </a:bodyPr>
           <a:lstStyle/>
           <a:p>
             <a:r>
-              <a:rPr lang="it-IT" dirty="0" smtClean="0"/>
+              <a:rPr lang="it-IT" sz="2500" dirty="0" smtClean="0"/>
               <a:t>Physical model of a vertical Tower</a:t>
             </a:r>
-            <a:endParaRPr lang="it-IT" dirty="0"/>
+            <a:endParaRPr lang="it-IT" sz="2500" dirty="0"/>
+          </a:p>
+        </p:txBody>
+      </p:sp>
+      <p:sp>
+        <p:nvSpPr>
+          <p:cNvPr id="7" name="TextBox 6"/>
+          <p:cNvSpPr txBox="1"/>
+          <p:nvPr/>
+        </p:nvSpPr>
+        <p:spPr>
+          <a:xfrm>
+            <a:off x="8280255" y="6577490"/>
+            <a:ext cx="3886200" cy="276999"/>
+          </a:xfrm>
+          <a:prstGeom prst="rect">
+            <a:avLst/>
+          </a:prstGeom>
+          <a:noFill/>
+        </p:spPr>
+        <p:txBody>
+          <a:bodyPr wrap="square" rtlCol="0">
+            <a:spAutoFit/>
+          </a:bodyPr>
+          <a:lstStyle/>
+          <a:p>
+            <a:r>
+              <a:rPr lang="en-US" sz="1200" dirty="0"/>
+              <a:t>http://www.csiberkeley.com/files/images/SAP15_770.jpg</a:t>
+            </a:r>
           </a:p>
         </p:txBody>
       </p:sp>
@@ -8998,164 +8123,224 @@
   <p:timing>
     <p:tnLst>
       <p:par>
-        <p:cTn id="1" dur="indefinite" restart="never" nodeType="tmRoot"/>
+        <p:cTn id="1" dur="indefinite" restart="never" nodeType="tmRoot">
+          <p:childTnLst>
+            <p:seq concurrent="1" nextAc="seek">
+              <p:cTn id="2" dur="indefinite" nodeType="mainSeq">
+                <p:childTnLst>
+                  <p:par>
+                    <p:cTn id="3" fill="hold">
+                      <p:stCondLst>
+                        <p:cond delay="indefinite"/>
+                        <p:cond evt="onBegin" delay="0">
+                          <p:tn val="2"/>
+                        </p:cond>
+                      </p:stCondLst>
+                      <p:childTnLst>
+                        <p:par>
+                          <p:cTn id="4" fill="hold">
+                            <p:stCondLst>
+                              <p:cond delay="0"/>
+                            </p:stCondLst>
+                            <p:childTnLst>
+                              <p:par>
+                                <p:cTn id="5" presetID="10" presetClass="entr" presetSubtype="0" fill="hold" grpId="0" nodeType="afterEffect">
+                                  <p:stCondLst>
+                                    <p:cond delay="0"/>
+                                  </p:stCondLst>
+                                  <p:childTnLst>
+                                    <p:set>
+                                      <p:cBhvr>
+                                        <p:cTn id="6" dur="1" fill="hold">
+                                          <p:stCondLst>
+                                            <p:cond delay="0"/>
+                                          </p:stCondLst>
+                                        </p:cTn>
+                                        <p:tgtEl>
+                                          <p:spTgt spid="3"/>
+                                        </p:tgtEl>
+                                        <p:attrNameLst>
+                                          <p:attrName>style.visibility</p:attrName>
+                                        </p:attrNameLst>
+                                      </p:cBhvr>
+                                      <p:to>
+                                        <p:strVal val="visible"/>
+                                      </p:to>
+                                    </p:set>
+                                    <p:animEffect transition="in" filter="fade">
+                                      <p:cBhvr>
+                                        <p:cTn id="7" dur="500"/>
+                                        <p:tgtEl>
+                                          <p:spTgt spid="3"/>
+                                        </p:tgtEl>
+                                      </p:cBhvr>
+                                    </p:animEffect>
+                                  </p:childTnLst>
+                                </p:cTn>
+                              </p:par>
+                            </p:childTnLst>
+                          </p:cTn>
+                        </p:par>
+                      </p:childTnLst>
+                    </p:cTn>
+                  </p:par>
+                  <p:par>
+                    <p:cTn id="8" fill="hold">
+                      <p:stCondLst>
+                        <p:cond delay="indefinite"/>
+                      </p:stCondLst>
+                      <p:childTnLst>
+                        <p:par>
+                          <p:cTn id="9" fill="hold">
+                            <p:stCondLst>
+                              <p:cond delay="0"/>
+                            </p:stCondLst>
+                            <p:childTnLst>
+                              <p:par>
+                                <p:cTn id="10" presetID="10" presetClass="entr" presetSubtype="0" fill="hold" nodeType="clickEffect">
+                                  <p:stCondLst>
+                                    <p:cond delay="0"/>
+                                  </p:stCondLst>
+                                  <p:childTnLst>
+                                    <p:set>
+                                      <p:cBhvr>
+                                        <p:cTn id="11" dur="1" fill="hold">
+                                          <p:stCondLst>
+                                            <p:cond delay="0"/>
+                                          </p:stCondLst>
+                                        </p:cTn>
+                                        <p:tgtEl>
+                                          <p:spTgt spid="2050"/>
+                                        </p:tgtEl>
+                                        <p:attrNameLst>
+                                          <p:attrName>style.visibility</p:attrName>
+                                        </p:attrNameLst>
+                                      </p:cBhvr>
+                                      <p:to>
+                                        <p:strVal val="visible"/>
+                                      </p:to>
+                                    </p:set>
+                                    <p:animEffect transition="in" filter="fade">
+                                      <p:cBhvr>
+                                        <p:cTn id="12" dur="500"/>
+                                        <p:tgtEl>
+                                          <p:spTgt spid="2050"/>
+                                        </p:tgtEl>
+                                      </p:cBhvr>
+                                    </p:animEffect>
+                                  </p:childTnLst>
+                                </p:cTn>
+                              </p:par>
+                              <p:par>
+                                <p:cTn id="13" presetID="10" presetClass="entr" presetSubtype="0" fill="hold" grpId="0" nodeType="withEffect">
+                                  <p:stCondLst>
+                                    <p:cond delay="0"/>
+                                  </p:stCondLst>
+                                  <p:childTnLst>
+                                    <p:set>
+                                      <p:cBhvr>
+                                        <p:cTn id="14" dur="1" fill="hold">
+                                          <p:stCondLst>
+                                            <p:cond delay="0"/>
+                                          </p:stCondLst>
+                                        </p:cTn>
+                                        <p:tgtEl>
+                                          <p:spTgt spid="7"/>
+                                        </p:tgtEl>
+                                        <p:attrNameLst>
+                                          <p:attrName>style.visibility</p:attrName>
+                                        </p:attrNameLst>
+                                      </p:cBhvr>
+                                      <p:to>
+                                        <p:strVal val="visible"/>
+                                      </p:to>
+                                    </p:set>
+                                    <p:animEffect transition="in" filter="fade">
+                                      <p:cBhvr>
+                                        <p:cTn id="15" dur="500"/>
+                                        <p:tgtEl>
+                                          <p:spTgt spid="7"/>
+                                        </p:tgtEl>
+                                      </p:cBhvr>
+                                    </p:animEffect>
+                                  </p:childTnLst>
+                                </p:cTn>
+                              </p:par>
+                              <p:par>
+                                <p:cTn id="16" presetID="10" presetClass="entr" presetSubtype="0" fill="hold" grpId="0" nodeType="withEffect">
+                                  <p:stCondLst>
+                                    <p:cond delay="0"/>
+                                  </p:stCondLst>
+                                  <p:childTnLst>
+                                    <p:set>
+                                      <p:cBhvr>
+                                        <p:cTn id="17" dur="1" fill="hold">
+                                          <p:stCondLst>
+                                            <p:cond delay="0"/>
+                                          </p:stCondLst>
+                                        </p:cTn>
+                                        <p:tgtEl>
+                                          <p:spTgt spid="4">
+                                            <p:txEl>
+                                              <p:pRg st="0" end="0"/>
+                                            </p:txEl>
+                                          </p:spTgt>
+                                        </p:tgtEl>
+                                        <p:attrNameLst>
+                                          <p:attrName>style.visibility</p:attrName>
+                                        </p:attrNameLst>
+                                      </p:cBhvr>
+                                      <p:to>
+                                        <p:strVal val="visible"/>
+                                      </p:to>
+                                    </p:set>
+                                    <p:animEffect transition="in" filter="fade">
+                                      <p:cBhvr>
+                                        <p:cTn id="18" dur="500"/>
+                                        <p:tgtEl>
+                                          <p:spTgt spid="4">
+                                            <p:txEl>
+                                              <p:pRg st="0" end="0"/>
+                                            </p:txEl>
+                                          </p:spTgt>
+                                        </p:tgtEl>
+                                      </p:cBhvr>
+                                    </p:animEffect>
+                                  </p:childTnLst>
+                                </p:cTn>
+                              </p:par>
+                            </p:childTnLst>
+                          </p:cTn>
+                        </p:par>
+                      </p:childTnLst>
+                    </p:cTn>
+                  </p:par>
+                </p:childTnLst>
+              </p:cTn>
+              <p:prevCondLst>
+                <p:cond evt="onPrev" delay="0">
+                  <p:tgtEl>
+                    <p:sldTgt/>
+                  </p:tgtEl>
+                </p:cond>
+              </p:prevCondLst>
+              <p:nextCondLst>
+                <p:cond evt="onNext" delay="0">
+                  <p:tgtEl>
+                    <p:sldTgt/>
+                  </p:tgtEl>
+                </p:cond>
+              </p:nextCondLst>
+            </p:seq>
+          </p:childTnLst>
+        </p:cTn>
       </p:par>
     </p:tnLst>
-  </p:timing>
-</p:sld>
-</file>
-
-<file path=ppt/slides/slide10.xml><?xml version="1.0" encoding="utf-8"?>
-<p:sld xmlns:a="http://schemas.openxmlformats.org/drawingml/2006/main" xmlns:r="http://schemas.openxmlformats.org/officeDocument/2006/relationships" xmlns:p="http://schemas.openxmlformats.org/presentationml/2006/main">
-  <p:cSld>
-    <p:spTree>
-      <p:nvGrpSpPr>
-        <p:cNvPr id="1" name=""/>
-        <p:cNvGrpSpPr/>
-        <p:nvPr/>
-      </p:nvGrpSpPr>
-      <p:grpSpPr>
-        <a:xfrm>
-          <a:off x="0" y="0"/>
-          <a:ext cx="0" cy="0"/>
-          <a:chOff x="0" y="0"/>
-          <a:chExt cx="0" cy="0"/>
-        </a:xfrm>
-      </p:grpSpPr>
-    </p:spTree>
-    <p:extLst>
-      <p:ext uri="{BB962C8B-B14F-4D97-AF65-F5344CB8AC3E}">
-        <p14:creationId xmlns:p14="http://schemas.microsoft.com/office/powerpoint/2010/main" val="1735722345"/>
-      </p:ext>
-    </p:extLst>
-  </p:cSld>
-  <p:clrMapOvr>
-    <a:masterClrMapping/>
-  </p:clrMapOvr>
-  <mc:AlternateContent xmlns:mc="http://schemas.openxmlformats.org/markup-compatibility/2006" xmlns:p14="http://schemas.microsoft.com/office/powerpoint/2010/main">
-    <mc:Choice Requires="p14">
-      <p:transition spd="med" p14:dur="700">
-        <p:fade/>
-      </p:transition>
-    </mc:Choice>
-    <mc:Fallback xmlns="">
-      <p:transition spd="med">
-        <p:fade/>
-      </p:transition>
-    </mc:Fallback>
-  </mc:AlternateContent>
-  <p:timing>
-    <p:tnLst>
-      <p:par>
-        <p:cTn id="1" dur="indefinite" restart="never" nodeType="tmRoot"/>
-      </p:par>
-    </p:tnLst>
-  </p:timing>
-</p:sld>
-</file>
-
-<file path=ppt/slides/slide11.xml><?xml version="1.0" encoding="utf-8"?>
-<p:sld xmlns:a="http://schemas.openxmlformats.org/drawingml/2006/main" xmlns:r="http://schemas.openxmlformats.org/officeDocument/2006/relationships" xmlns:p="http://schemas.openxmlformats.org/presentationml/2006/main">
-  <p:cSld>
-    <p:spTree>
-      <p:nvGrpSpPr>
-        <p:cNvPr id="1" name=""/>
-        <p:cNvGrpSpPr/>
-        <p:nvPr/>
-      </p:nvGrpSpPr>
-      <p:grpSpPr>
-        <a:xfrm>
-          <a:off x="0" y="0"/>
-          <a:ext cx="0" cy="0"/>
-          <a:chOff x="0" y="0"/>
-          <a:chExt cx="0" cy="0"/>
-        </a:xfrm>
-      </p:grpSpPr>
-      <p:sp>
-        <p:nvSpPr>
-          <p:cNvPr id="2" name="Title 1"/>
-          <p:cNvSpPr>
-            <a:spLocks noGrp="1"/>
-          </p:cNvSpPr>
-          <p:nvPr>
-            <p:ph type="title"/>
-          </p:nvPr>
-        </p:nvSpPr>
-        <p:spPr/>
-        <p:txBody>
-          <a:bodyPr/>
-          <a:lstStyle/>
-          <a:p>
-            <a:endParaRPr lang="en-US"/>
-          </a:p>
-        </p:txBody>
-      </p:sp>
-      <p:sp>
-        <p:nvSpPr>
-          <p:cNvPr id="3" name="Content Placeholder 2"/>
-          <p:cNvSpPr>
-            <a:spLocks noGrp="1"/>
-          </p:cNvSpPr>
-          <p:nvPr>
-            <p:ph idx="1"/>
-          </p:nvPr>
-        </p:nvSpPr>
-        <p:spPr/>
-        <p:txBody>
-          <a:bodyPr/>
-          <a:lstStyle/>
-          <a:p>
-            <a:endParaRPr lang="en-US"/>
-          </a:p>
-        </p:txBody>
-      </p:sp>
-      <p:sp>
-        <p:nvSpPr>
-          <p:cNvPr id="4" name="Text Placeholder 3"/>
-          <p:cNvSpPr>
-            <a:spLocks noGrp="1"/>
-          </p:cNvSpPr>
-          <p:nvPr>
-            <p:ph type="body" sz="half" idx="2"/>
-          </p:nvPr>
-        </p:nvSpPr>
-        <p:spPr/>
-        <p:txBody>
-          <a:bodyPr/>
-          <a:lstStyle/>
-          <a:p>
-            <a:endParaRPr lang="en-US"/>
-          </a:p>
-        </p:txBody>
-      </p:sp>
-    </p:spTree>
-    <p:extLst>
-      <p:ext uri="{BB962C8B-B14F-4D97-AF65-F5344CB8AC3E}">
-        <p14:creationId xmlns:p14="http://schemas.microsoft.com/office/powerpoint/2010/main" val="2765137111"/>
-      </p:ext>
-    </p:extLst>
-  </p:cSld>
-  <p:clrMapOvr>
-    <a:masterClrMapping/>
-  </p:clrMapOvr>
-  <mc:AlternateContent xmlns:mc="http://schemas.openxmlformats.org/markup-compatibility/2006" xmlns:p14="http://schemas.microsoft.com/office/powerpoint/2010/main">
-    <mc:Choice Requires="p14">
-      <p:transition spd="med" p14:dur="700">
-        <p:fade/>
-      </p:transition>
-    </mc:Choice>
-    <mc:Fallback xmlns="">
-      <p:transition spd="med">
-        <p:fade/>
-      </p:transition>
-    </mc:Fallback>
-  </mc:AlternateContent>
-  <p:timing>
-    <p:tnLst>
-      <p:par>
-        <p:cTn id="1" dur="indefinite" restart="never" nodeType="tmRoot"/>
-      </p:par>
-    </p:tnLst>
+    <p:bldLst>
+      <p:bldP spid="3" grpId="0"/>
+      <p:bldP spid="4" grpId="0" build="p"/>
+      <p:bldP spid="7" grpId="0"/>
+    </p:bldLst>
   </p:timing>
 </p:sld>
 </file>
@@ -9240,7 +8425,7 @@
         </p:spPr>
         <p:txBody>
           <a:bodyPr>
-            <a:normAutofit/>
+            <a:normAutofit lnSpcReduction="10000"/>
           </a:bodyPr>
           <a:lstStyle/>
           <a:p>
@@ -9272,7 +8457,6 @@
               <a:rPr lang="en-US" sz="2800" dirty="0" smtClean="0"/>
               <a:t>Simple Rule Set (Algorithm)</a:t>
             </a:r>
-            <a:endParaRPr lang="en-US" sz="2800" dirty="0" smtClean="0"/>
           </a:p>
           <a:p>
             <a:pPr marL="285750" indent="-285750">
@@ -9311,8 +8495,23 @@
             </a:pPr>
             <a:r>
               <a:rPr lang="en-US" sz="2200" dirty="0" smtClean="0"/>
-              <a:t>Structural Decay</a:t>
+              <a:t>Structural </a:t>
             </a:r>
+            <a:r>
+              <a:rPr lang="en-US" sz="2200" dirty="0" smtClean="0"/>
+              <a:t>Decay</a:t>
+            </a:r>
+          </a:p>
+          <a:p>
+            <a:pPr marL="742950" lvl="1" indent="-285750">
+              <a:buFont typeface="Arial" panose="020B0604020202020204" pitchFamily="34" charset="0"/>
+              <a:buChar char="•"/>
+            </a:pPr>
+            <a:r>
+              <a:rPr lang="en-US" sz="2200" dirty="0" smtClean="0"/>
+              <a:t>Extreme Environments</a:t>
+            </a:r>
+            <a:endParaRPr lang="en-US" sz="2200" dirty="0" smtClean="0"/>
           </a:p>
           <a:p>
             <a:pPr marL="742950" lvl="1" indent="-285750">
@@ -9334,6 +8533,128 @@
               <a:buChar char="•"/>
             </a:pPr>
             <a:endParaRPr lang="en-US" dirty="0"/>
+          </a:p>
+        </p:txBody>
+      </p:sp>
+      <p:pic>
+        <p:nvPicPr>
+          <p:cNvPr id="1026" name="Picture 2"/>
+          <p:cNvPicPr>
+            <a:picLocks noChangeAspect="1" noChangeArrowheads="1"/>
+          </p:cNvPicPr>
+          <p:nvPr/>
+        </p:nvPicPr>
+        <p:blipFill rotWithShape="1">
+          <a:blip r:embed="rId2">
+            <a:extLst>
+              <a:ext uri="{28A0092B-C50C-407E-A947-70E740481C1C}">
+                <a14:useLocalDpi xmlns:a14="http://schemas.microsoft.com/office/drawing/2010/main" val="0"/>
+              </a:ext>
+            </a:extLst>
+          </a:blip>
+          <a:srcRect r="48100" b="6605"/>
+          <a:stretch/>
+        </p:blipFill>
+        <p:spPr bwMode="auto">
+          <a:xfrm>
+            <a:off x="5713411" y="762000"/>
+            <a:ext cx="5562600" cy="5167921"/>
+          </a:xfrm>
+          <a:prstGeom prst="rect">
+            <a:avLst/>
+          </a:prstGeom>
+          <a:noFill/>
+          <a:ln>
+            <a:noFill/>
+          </a:ln>
+          <a:extLst>
+            <a:ext uri="{909E8E84-426E-40DD-AFC4-6F175D3DCCD1}">
+              <a14:hiddenFill xmlns:a14="http://schemas.microsoft.com/office/drawing/2010/main">
+                <a:solidFill>
+                  <a:schemeClr val="accent1"/>
+                </a:solidFill>
+              </a14:hiddenFill>
+            </a:ext>
+            <a:ext uri="{91240B29-F687-4F45-9708-019B960494DF}">
+              <a14:hiddenLine xmlns:a14="http://schemas.microsoft.com/office/drawing/2010/main" w="9525">
+                <a:solidFill>
+                  <a:schemeClr val="tx1"/>
+                </a:solidFill>
+                <a:miter lim="800000"/>
+                <a:headEnd/>
+                <a:tailEnd/>
+              </a14:hiddenLine>
+            </a:ext>
+          </a:extLst>
+        </p:spPr>
+      </p:pic>
+      <p:pic>
+        <p:nvPicPr>
+          <p:cNvPr id="1028" name="Picture 4" descr="http://www.eecs.harvard.edu/ssr/projects/cons/c3.jpg"/>
+          <p:cNvPicPr>
+            <a:picLocks noChangeAspect="1" noChangeArrowheads="1"/>
+          </p:cNvPicPr>
+          <p:nvPr/>
+        </p:nvPicPr>
+        <p:blipFill>
+          <a:blip r:embed="rId3">
+            <a:extLst>
+              <a:ext uri="{28A0092B-C50C-407E-A947-70E740481C1C}">
+                <a14:useLocalDpi xmlns:a14="http://schemas.microsoft.com/office/drawing/2010/main" val="0"/>
+              </a:ext>
+            </a:extLst>
+          </a:blip>
+          <a:srcRect/>
+          <a:stretch>
+            <a:fillRect/>
+          </a:stretch>
+        </p:blipFill>
+        <p:spPr bwMode="auto">
+          <a:xfrm>
+            <a:off x="5480940" y="831628"/>
+            <a:ext cx="6046137" cy="5028664"/>
+          </a:xfrm>
+          <a:prstGeom prst="rect">
+            <a:avLst/>
+          </a:prstGeom>
+          <a:noFill/>
+          <a:extLst>
+            <a:ext uri="{909E8E84-426E-40DD-AFC4-6F175D3DCCD1}">
+              <a14:hiddenFill xmlns:a14="http://schemas.microsoft.com/office/drawing/2010/main">
+                <a:solidFill>
+                  <a:srgbClr val="FFFFFF"/>
+                </a:solidFill>
+              </a14:hiddenFill>
+            </a:ext>
+          </a:extLst>
+        </p:spPr>
+      </p:pic>
+      <p:sp>
+        <p:nvSpPr>
+          <p:cNvPr id="8" name="TextBox 7"/>
+          <p:cNvSpPr txBox="1"/>
+          <p:nvPr/>
+        </p:nvSpPr>
+        <p:spPr>
+          <a:xfrm>
+            <a:off x="7823654" y="6477000"/>
+            <a:ext cx="3810000" cy="276999"/>
+          </a:xfrm>
+          <a:prstGeom prst="rect">
+            <a:avLst/>
+          </a:prstGeom>
+          <a:noFill/>
+        </p:spPr>
+        <p:txBody>
+          <a:bodyPr wrap="square" rtlCol="0">
+            <a:spAutoFit/>
+          </a:bodyPr>
+          <a:lstStyle/>
+          <a:p>
+            <a:r>
+              <a:rPr lang="en-US" sz="1200" dirty="0"/>
+              <a:t>http://www.eecs.harvard.edu/ssr/projects/cons/c3.jpg</a:t>
+            </a:r>
           </a:p>
         </p:txBody>
       </p:sp>
@@ -9362,9 +8683,761 @@
   <p:timing>
     <p:tnLst>
       <p:par>
-        <p:cTn id="1" dur="indefinite" restart="never" nodeType="tmRoot"/>
+        <p:cTn id="1" dur="indefinite" restart="never" nodeType="tmRoot">
+          <p:childTnLst>
+            <p:seq concurrent="1" nextAc="seek">
+              <p:cTn id="2" dur="indefinite" nodeType="mainSeq">
+                <p:childTnLst>
+                  <p:par>
+                    <p:cTn id="3" fill="hold">
+                      <p:stCondLst>
+                        <p:cond delay="indefinite"/>
+                        <p:cond evt="onBegin" delay="0">
+                          <p:tn val="2"/>
+                        </p:cond>
+                      </p:stCondLst>
+                      <p:childTnLst>
+                        <p:par>
+                          <p:cTn id="4" fill="hold">
+                            <p:stCondLst>
+                              <p:cond delay="0"/>
+                            </p:stCondLst>
+                            <p:childTnLst>
+                              <p:par>
+                                <p:cTn id="5" presetID="10" presetClass="entr" presetSubtype="0" fill="hold" grpId="0" nodeType="withEffect">
+                                  <p:stCondLst>
+                                    <p:cond delay="0"/>
+                                  </p:stCondLst>
+                                  <p:childTnLst>
+                                    <p:set>
+                                      <p:cBhvr>
+                                        <p:cTn id="6" dur="1" fill="hold">
+                                          <p:stCondLst>
+                                            <p:cond delay="0"/>
+                                          </p:stCondLst>
+                                        </p:cTn>
+                                        <p:tgtEl>
+                                          <p:spTgt spid="3"/>
+                                        </p:tgtEl>
+                                        <p:attrNameLst>
+                                          <p:attrName>style.visibility</p:attrName>
+                                        </p:attrNameLst>
+                                      </p:cBhvr>
+                                      <p:to>
+                                        <p:strVal val="visible"/>
+                                      </p:to>
+                                    </p:set>
+                                    <p:animEffect transition="in" filter="fade">
+                                      <p:cBhvr>
+                                        <p:cTn id="7" dur="500"/>
+                                        <p:tgtEl>
+                                          <p:spTgt spid="3"/>
+                                        </p:tgtEl>
+                                      </p:cBhvr>
+                                    </p:animEffect>
+                                  </p:childTnLst>
+                                </p:cTn>
+                              </p:par>
+                            </p:childTnLst>
+                          </p:cTn>
+                        </p:par>
+                      </p:childTnLst>
+                    </p:cTn>
+                  </p:par>
+                  <p:par>
+                    <p:cTn id="8" fill="hold">
+                      <p:stCondLst>
+                        <p:cond delay="indefinite"/>
+                      </p:stCondLst>
+                      <p:childTnLst>
+                        <p:par>
+                          <p:cTn id="9" fill="hold">
+                            <p:stCondLst>
+                              <p:cond delay="0"/>
+                            </p:stCondLst>
+                            <p:childTnLst>
+                              <p:par>
+                                <p:cTn id="10" presetID="10" presetClass="entr" presetSubtype="0" fill="hold" nodeType="clickEffect">
+                                  <p:stCondLst>
+                                    <p:cond delay="0"/>
+                                  </p:stCondLst>
+                                  <p:childTnLst>
+                                    <p:set>
+                                      <p:cBhvr>
+                                        <p:cTn id="11" dur="1" fill="hold">
+                                          <p:stCondLst>
+                                            <p:cond delay="0"/>
+                                          </p:stCondLst>
+                                        </p:cTn>
+                                        <p:tgtEl>
+                                          <p:spTgt spid="4">
+                                            <p:txEl>
+                                              <p:pRg st="0" end="0"/>
+                                            </p:txEl>
+                                          </p:spTgt>
+                                        </p:tgtEl>
+                                        <p:attrNameLst>
+                                          <p:attrName>style.visibility</p:attrName>
+                                        </p:attrNameLst>
+                                      </p:cBhvr>
+                                      <p:to>
+                                        <p:strVal val="visible"/>
+                                      </p:to>
+                                    </p:set>
+                                    <p:animEffect transition="in" filter="fade">
+                                      <p:cBhvr>
+                                        <p:cTn id="12" dur="500"/>
+                                        <p:tgtEl>
+                                          <p:spTgt spid="4">
+                                            <p:txEl>
+                                              <p:pRg st="0" end="0"/>
+                                            </p:txEl>
+                                          </p:spTgt>
+                                        </p:tgtEl>
+                                      </p:cBhvr>
+                                    </p:animEffect>
+                                  </p:childTnLst>
+                                </p:cTn>
+                              </p:par>
+                            </p:childTnLst>
+                          </p:cTn>
+                        </p:par>
+                      </p:childTnLst>
+                    </p:cTn>
+                  </p:par>
+                  <p:par>
+                    <p:cTn id="13" fill="hold">
+                      <p:stCondLst>
+                        <p:cond delay="indefinite"/>
+                      </p:stCondLst>
+                      <p:childTnLst>
+                        <p:par>
+                          <p:cTn id="14" fill="hold">
+                            <p:stCondLst>
+                              <p:cond delay="0"/>
+                            </p:stCondLst>
+                            <p:childTnLst>
+                              <p:par>
+                                <p:cTn id="15" presetID="10" presetClass="entr" presetSubtype="0" fill="hold" nodeType="clickEffect">
+                                  <p:stCondLst>
+                                    <p:cond delay="0"/>
+                                  </p:stCondLst>
+                                  <p:childTnLst>
+                                    <p:set>
+                                      <p:cBhvr>
+                                        <p:cTn id="16" dur="1" fill="hold">
+                                          <p:stCondLst>
+                                            <p:cond delay="0"/>
+                                          </p:stCondLst>
+                                        </p:cTn>
+                                        <p:tgtEl>
+                                          <p:spTgt spid="4">
+                                            <p:txEl>
+                                              <p:pRg st="1" end="1"/>
+                                            </p:txEl>
+                                          </p:spTgt>
+                                        </p:tgtEl>
+                                        <p:attrNameLst>
+                                          <p:attrName>style.visibility</p:attrName>
+                                        </p:attrNameLst>
+                                      </p:cBhvr>
+                                      <p:to>
+                                        <p:strVal val="visible"/>
+                                      </p:to>
+                                    </p:set>
+                                    <p:animEffect transition="in" filter="fade">
+                                      <p:cBhvr>
+                                        <p:cTn id="17" dur="500"/>
+                                        <p:tgtEl>
+                                          <p:spTgt spid="4">
+                                            <p:txEl>
+                                              <p:pRg st="1" end="1"/>
+                                            </p:txEl>
+                                          </p:spTgt>
+                                        </p:tgtEl>
+                                      </p:cBhvr>
+                                    </p:animEffect>
+                                  </p:childTnLst>
+                                </p:cTn>
+                              </p:par>
+                            </p:childTnLst>
+                          </p:cTn>
+                        </p:par>
+                        <p:par>
+                          <p:cTn id="18" fill="hold">
+                            <p:stCondLst>
+                              <p:cond delay="500"/>
+                            </p:stCondLst>
+                            <p:childTnLst>
+                              <p:par>
+                                <p:cTn id="19" presetID="10" presetClass="entr" presetSubtype="0" fill="hold" nodeType="afterEffect">
+                                  <p:stCondLst>
+                                    <p:cond delay="0"/>
+                                  </p:stCondLst>
+                                  <p:childTnLst>
+                                    <p:set>
+                                      <p:cBhvr>
+                                        <p:cTn id="20" dur="1" fill="hold">
+                                          <p:stCondLst>
+                                            <p:cond delay="0"/>
+                                          </p:stCondLst>
+                                        </p:cTn>
+                                        <p:tgtEl>
+                                          <p:spTgt spid="2"/>
+                                        </p:tgtEl>
+                                        <p:attrNameLst>
+                                          <p:attrName>style.visibility</p:attrName>
+                                        </p:attrNameLst>
+                                      </p:cBhvr>
+                                      <p:to>
+                                        <p:strVal val="visible"/>
+                                      </p:to>
+                                    </p:set>
+                                    <p:animEffect transition="in" filter="fade">
+                                      <p:cBhvr>
+                                        <p:cTn id="21" dur="500"/>
+                                        <p:tgtEl>
+                                          <p:spTgt spid="2"/>
+                                        </p:tgtEl>
+                                      </p:cBhvr>
+                                    </p:animEffect>
+                                  </p:childTnLst>
+                                </p:cTn>
+                              </p:par>
+                              <p:par>
+                                <p:cTn id="22" presetID="10" presetClass="entr" presetSubtype="0" fill="hold" nodeType="withEffect">
+                                  <p:stCondLst>
+                                    <p:cond delay="0"/>
+                                  </p:stCondLst>
+                                  <p:childTnLst>
+                                    <p:set>
+                                      <p:cBhvr>
+                                        <p:cTn id="23" dur="1" fill="hold">
+                                          <p:stCondLst>
+                                            <p:cond delay="0"/>
+                                          </p:stCondLst>
+                                        </p:cTn>
+                                        <p:tgtEl>
+                                          <p:spTgt spid="1026"/>
+                                        </p:tgtEl>
+                                        <p:attrNameLst>
+                                          <p:attrName>style.visibility</p:attrName>
+                                        </p:attrNameLst>
+                                      </p:cBhvr>
+                                      <p:to>
+                                        <p:strVal val="visible"/>
+                                      </p:to>
+                                    </p:set>
+                                    <p:animEffect transition="in" filter="fade">
+                                      <p:cBhvr>
+                                        <p:cTn id="24" dur="500"/>
+                                        <p:tgtEl>
+                                          <p:spTgt spid="1026"/>
+                                        </p:tgtEl>
+                                      </p:cBhvr>
+                                    </p:animEffect>
+                                  </p:childTnLst>
+                                </p:cTn>
+                              </p:par>
+                            </p:childTnLst>
+                          </p:cTn>
+                        </p:par>
+                      </p:childTnLst>
+                    </p:cTn>
+                  </p:par>
+                  <p:par>
+                    <p:cTn id="25" fill="hold">
+                      <p:stCondLst>
+                        <p:cond delay="indefinite"/>
+                      </p:stCondLst>
+                      <p:childTnLst>
+                        <p:par>
+                          <p:cTn id="26" fill="hold">
+                            <p:stCondLst>
+                              <p:cond delay="0"/>
+                            </p:stCondLst>
+                            <p:childTnLst>
+                              <p:par>
+                                <p:cTn id="27" presetID="10" presetClass="entr" presetSubtype="0" fill="hold" nodeType="clickEffect">
+                                  <p:stCondLst>
+                                    <p:cond delay="0"/>
+                                  </p:stCondLst>
+                                  <p:childTnLst>
+                                    <p:set>
+                                      <p:cBhvr>
+                                        <p:cTn id="28" dur="1" fill="hold">
+                                          <p:stCondLst>
+                                            <p:cond delay="0"/>
+                                          </p:stCondLst>
+                                        </p:cTn>
+                                        <p:tgtEl>
+                                          <p:spTgt spid="4">
+                                            <p:txEl>
+                                              <p:pRg st="2" end="2"/>
+                                            </p:txEl>
+                                          </p:spTgt>
+                                        </p:tgtEl>
+                                        <p:attrNameLst>
+                                          <p:attrName>style.visibility</p:attrName>
+                                        </p:attrNameLst>
+                                      </p:cBhvr>
+                                      <p:to>
+                                        <p:strVal val="visible"/>
+                                      </p:to>
+                                    </p:set>
+                                    <p:animEffect transition="in" filter="fade">
+                                      <p:cBhvr>
+                                        <p:cTn id="29" dur="500"/>
+                                        <p:tgtEl>
+                                          <p:spTgt spid="4">
+                                            <p:txEl>
+                                              <p:pRg st="2" end="2"/>
+                                            </p:txEl>
+                                          </p:spTgt>
+                                        </p:tgtEl>
+                                      </p:cBhvr>
+                                    </p:animEffect>
+                                  </p:childTnLst>
+                                </p:cTn>
+                              </p:par>
+                            </p:childTnLst>
+                          </p:cTn>
+                        </p:par>
+                      </p:childTnLst>
+                    </p:cTn>
+                  </p:par>
+                  <p:par>
+                    <p:cTn id="30" fill="hold">
+                      <p:stCondLst>
+                        <p:cond delay="indefinite"/>
+                      </p:stCondLst>
+                      <p:childTnLst>
+                        <p:par>
+                          <p:cTn id="31" fill="hold">
+                            <p:stCondLst>
+                              <p:cond delay="0"/>
+                            </p:stCondLst>
+                            <p:childTnLst>
+                              <p:par>
+                                <p:cTn id="32" presetID="10" presetClass="entr" presetSubtype="0" fill="hold" nodeType="clickEffect">
+                                  <p:stCondLst>
+                                    <p:cond delay="0"/>
+                                  </p:stCondLst>
+                                  <p:childTnLst>
+                                    <p:set>
+                                      <p:cBhvr>
+                                        <p:cTn id="33" dur="1" fill="hold">
+                                          <p:stCondLst>
+                                            <p:cond delay="0"/>
+                                          </p:stCondLst>
+                                        </p:cTn>
+                                        <p:tgtEl>
+                                          <p:spTgt spid="4">
+                                            <p:txEl>
+                                              <p:pRg st="3" end="3"/>
+                                            </p:txEl>
+                                          </p:spTgt>
+                                        </p:tgtEl>
+                                        <p:attrNameLst>
+                                          <p:attrName>style.visibility</p:attrName>
+                                        </p:attrNameLst>
+                                      </p:cBhvr>
+                                      <p:to>
+                                        <p:strVal val="visible"/>
+                                      </p:to>
+                                    </p:set>
+                                    <p:animEffect transition="in" filter="fade">
+                                      <p:cBhvr>
+                                        <p:cTn id="34" dur="500"/>
+                                        <p:tgtEl>
+                                          <p:spTgt spid="4">
+                                            <p:txEl>
+                                              <p:pRg st="3" end="3"/>
+                                            </p:txEl>
+                                          </p:spTgt>
+                                        </p:tgtEl>
+                                      </p:cBhvr>
+                                    </p:animEffect>
+                                  </p:childTnLst>
+                                </p:cTn>
+                              </p:par>
+                              <p:par>
+                                <p:cTn id="35" presetID="10" presetClass="entr" presetSubtype="0" fill="hold" nodeType="withEffect">
+                                  <p:stCondLst>
+                                    <p:cond delay="0"/>
+                                  </p:stCondLst>
+                                  <p:childTnLst>
+                                    <p:set>
+                                      <p:cBhvr>
+                                        <p:cTn id="36" dur="1" fill="hold">
+                                          <p:stCondLst>
+                                            <p:cond delay="0"/>
+                                          </p:stCondLst>
+                                        </p:cTn>
+                                        <p:tgtEl>
+                                          <p:spTgt spid="4">
+                                            <p:txEl>
+                                              <p:pRg st="4" end="4"/>
+                                            </p:txEl>
+                                          </p:spTgt>
+                                        </p:tgtEl>
+                                        <p:attrNameLst>
+                                          <p:attrName>style.visibility</p:attrName>
+                                        </p:attrNameLst>
+                                      </p:cBhvr>
+                                      <p:to>
+                                        <p:strVal val="visible"/>
+                                      </p:to>
+                                    </p:set>
+                                    <p:animEffect transition="in" filter="fade">
+                                      <p:cBhvr>
+                                        <p:cTn id="37" dur="500"/>
+                                        <p:tgtEl>
+                                          <p:spTgt spid="4">
+                                            <p:txEl>
+                                              <p:pRg st="4" end="4"/>
+                                            </p:txEl>
+                                          </p:spTgt>
+                                        </p:tgtEl>
+                                      </p:cBhvr>
+                                    </p:animEffect>
+                                  </p:childTnLst>
+                                </p:cTn>
+                              </p:par>
+                              <p:par>
+                                <p:cTn id="38" presetID="10" presetClass="entr" presetSubtype="0" fill="hold" nodeType="withEffect">
+                                  <p:stCondLst>
+                                    <p:cond delay="0"/>
+                                  </p:stCondLst>
+                                  <p:childTnLst>
+                                    <p:set>
+                                      <p:cBhvr>
+                                        <p:cTn id="39" dur="1" fill="hold">
+                                          <p:stCondLst>
+                                            <p:cond delay="0"/>
+                                          </p:stCondLst>
+                                        </p:cTn>
+                                        <p:tgtEl>
+                                          <p:spTgt spid="4">
+                                            <p:txEl>
+                                              <p:pRg st="5" end="5"/>
+                                            </p:txEl>
+                                          </p:spTgt>
+                                        </p:tgtEl>
+                                        <p:attrNameLst>
+                                          <p:attrName>style.visibility</p:attrName>
+                                        </p:attrNameLst>
+                                      </p:cBhvr>
+                                      <p:to>
+                                        <p:strVal val="visible"/>
+                                      </p:to>
+                                    </p:set>
+                                    <p:animEffect transition="in" filter="fade">
+                                      <p:cBhvr>
+                                        <p:cTn id="40" dur="500"/>
+                                        <p:tgtEl>
+                                          <p:spTgt spid="4">
+                                            <p:txEl>
+                                              <p:pRg st="5" end="5"/>
+                                            </p:txEl>
+                                          </p:spTgt>
+                                        </p:tgtEl>
+                                      </p:cBhvr>
+                                    </p:animEffect>
+                                  </p:childTnLst>
+                                </p:cTn>
+                              </p:par>
+                              <p:par>
+                                <p:cTn id="41" presetID="10" presetClass="entr" presetSubtype="0" fill="hold" nodeType="withEffect">
+                                  <p:stCondLst>
+                                    <p:cond delay="0"/>
+                                  </p:stCondLst>
+                                  <p:childTnLst>
+                                    <p:set>
+                                      <p:cBhvr>
+                                        <p:cTn id="42" dur="1" fill="hold">
+                                          <p:stCondLst>
+                                            <p:cond delay="0"/>
+                                          </p:stCondLst>
+                                        </p:cTn>
+                                        <p:tgtEl>
+                                          <p:spTgt spid="4">
+                                            <p:txEl>
+                                              <p:pRg st="6" end="6"/>
+                                            </p:txEl>
+                                          </p:spTgt>
+                                        </p:tgtEl>
+                                        <p:attrNameLst>
+                                          <p:attrName>style.visibility</p:attrName>
+                                        </p:attrNameLst>
+                                      </p:cBhvr>
+                                      <p:to>
+                                        <p:strVal val="visible"/>
+                                      </p:to>
+                                    </p:set>
+                                    <p:animEffect transition="in" filter="fade">
+                                      <p:cBhvr>
+                                        <p:cTn id="43" dur="500"/>
+                                        <p:tgtEl>
+                                          <p:spTgt spid="4">
+                                            <p:txEl>
+                                              <p:pRg st="6" end="6"/>
+                                            </p:txEl>
+                                          </p:spTgt>
+                                        </p:tgtEl>
+                                      </p:cBhvr>
+                                    </p:animEffect>
+                                  </p:childTnLst>
+                                </p:cTn>
+                              </p:par>
+                            </p:childTnLst>
+                          </p:cTn>
+                        </p:par>
+                      </p:childTnLst>
+                    </p:cTn>
+                  </p:par>
+                  <p:par>
+                    <p:cTn id="44" fill="hold">
+                      <p:stCondLst>
+                        <p:cond delay="indefinite"/>
+                      </p:stCondLst>
+                      <p:childTnLst>
+                        <p:par>
+                          <p:cTn id="45" fill="hold">
+                            <p:stCondLst>
+                              <p:cond delay="0"/>
+                            </p:stCondLst>
+                            <p:childTnLst>
+                              <p:par>
+                                <p:cTn id="46" presetID="10" presetClass="entr" presetSubtype="0" fill="hold" nodeType="clickEffect">
+                                  <p:stCondLst>
+                                    <p:cond delay="0"/>
+                                  </p:stCondLst>
+                                  <p:childTnLst>
+                                    <p:set>
+                                      <p:cBhvr>
+                                        <p:cTn id="47" dur="1" fill="hold">
+                                          <p:stCondLst>
+                                            <p:cond delay="0"/>
+                                          </p:stCondLst>
+                                        </p:cTn>
+                                        <p:tgtEl>
+                                          <p:spTgt spid="4">
+                                            <p:txEl>
+                                              <p:pRg st="7" end="7"/>
+                                            </p:txEl>
+                                          </p:spTgt>
+                                        </p:tgtEl>
+                                        <p:attrNameLst>
+                                          <p:attrName>style.visibility</p:attrName>
+                                        </p:attrNameLst>
+                                      </p:cBhvr>
+                                      <p:to>
+                                        <p:strVal val="visible"/>
+                                      </p:to>
+                                    </p:set>
+                                    <p:animEffect transition="in" filter="fade">
+                                      <p:cBhvr>
+                                        <p:cTn id="48" dur="500"/>
+                                        <p:tgtEl>
+                                          <p:spTgt spid="4">
+                                            <p:txEl>
+                                              <p:pRg st="7" end="7"/>
+                                            </p:txEl>
+                                          </p:spTgt>
+                                        </p:tgtEl>
+                                      </p:cBhvr>
+                                    </p:animEffect>
+                                  </p:childTnLst>
+                                </p:cTn>
+                              </p:par>
+                              <p:par>
+                                <p:cTn id="49" presetID="10" presetClass="exit" presetSubtype="0" fill="hold" nodeType="withEffect">
+                                  <p:stCondLst>
+                                    <p:cond delay="0"/>
+                                  </p:stCondLst>
+                                  <p:childTnLst>
+                                    <p:animEffect transition="out" filter="fade">
+                                      <p:cBhvr>
+                                        <p:cTn id="50" dur="500"/>
+                                        <p:tgtEl>
+                                          <p:spTgt spid="1026"/>
+                                        </p:tgtEl>
+                                      </p:cBhvr>
+                                    </p:animEffect>
+                                    <p:set>
+                                      <p:cBhvr>
+                                        <p:cTn id="51" dur="1" fill="hold">
+                                          <p:stCondLst>
+                                            <p:cond delay="499"/>
+                                          </p:stCondLst>
+                                        </p:cTn>
+                                        <p:tgtEl>
+                                          <p:spTgt spid="1026"/>
+                                        </p:tgtEl>
+                                        <p:attrNameLst>
+                                          <p:attrName>style.visibility</p:attrName>
+                                        </p:attrNameLst>
+                                      </p:cBhvr>
+                                      <p:to>
+                                        <p:strVal val="hidden"/>
+                                      </p:to>
+                                    </p:set>
+                                  </p:childTnLst>
+                                </p:cTn>
+                              </p:par>
+                              <p:par>
+                                <p:cTn id="52" presetID="10" presetClass="exit" presetSubtype="0" fill="hold" nodeType="withEffect">
+                                  <p:stCondLst>
+                                    <p:cond delay="0"/>
+                                  </p:stCondLst>
+                                  <p:childTnLst>
+                                    <p:animEffect transition="out" filter="fade">
+                                      <p:cBhvr>
+                                        <p:cTn id="53" dur="500"/>
+                                        <p:tgtEl>
+                                          <p:spTgt spid="2"/>
+                                        </p:tgtEl>
+                                      </p:cBhvr>
+                                    </p:animEffect>
+                                    <p:set>
+                                      <p:cBhvr>
+                                        <p:cTn id="54" dur="1" fill="hold">
+                                          <p:stCondLst>
+                                            <p:cond delay="499"/>
+                                          </p:stCondLst>
+                                        </p:cTn>
+                                        <p:tgtEl>
+                                          <p:spTgt spid="2"/>
+                                        </p:tgtEl>
+                                        <p:attrNameLst>
+                                          <p:attrName>style.visibility</p:attrName>
+                                        </p:attrNameLst>
+                                      </p:cBhvr>
+                                      <p:to>
+                                        <p:strVal val="hidden"/>
+                                      </p:to>
+                                    </p:set>
+                                  </p:childTnLst>
+                                </p:cTn>
+                              </p:par>
+                            </p:childTnLst>
+                          </p:cTn>
+                        </p:par>
+                        <p:par>
+                          <p:cTn id="55" fill="hold">
+                            <p:stCondLst>
+                              <p:cond delay="500"/>
+                            </p:stCondLst>
+                            <p:childTnLst>
+                              <p:par>
+                                <p:cTn id="56" presetID="10" presetClass="entr" presetSubtype="0" fill="hold" nodeType="afterEffect">
+                                  <p:stCondLst>
+                                    <p:cond delay="0"/>
+                                  </p:stCondLst>
+                                  <p:childTnLst>
+                                    <p:set>
+                                      <p:cBhvr>
+                                        <p:cTn id="57" dur="1" fill="hold">
+                                          <p:stCondLst>
+                                            <p:cond delay="0"/>
+                                          </p:stCondLst>
+                                        </p:cTn>
+                                        <p:tgtEl>
+                                          <p:spTgt spid="1028"/>
+                                        </p:tgtEl>
+                                        <p:attrNameLst>
+                                          <p:attrName>style.visibility</p:attrName>
+                                        </p:attrNameLst>
+                                      </p:cBhvr>
+                                      <p:to>
+                                        <p:strVal val="visible"/>
+                                      </p:to>
+                                    </p:set>
+                                    <p:animEffect transition="in" filter="fade">
+                                      <p:cBhvr>
+                                        <p:cTn id="58" dur="500"/>
+                                        <p:tgtEl>
+                                          <p:spTgt spid="1028"/>
+                                        </p:tgtEl>
+                                      </p:cBhvr>
+                                    </p:animEffect>
+                                  </p:childTnLst>
+                                </p:cTn>
+                              </p:par>
+                              <p:par>
+                                <p:cTn id="59" presetID="10" presetClass="entr" presetSubtype="0" fill="hold" nodeType="withEffect">
+                                  <p:stCondLst>
+                                    <p:cond delay="0"/>
+                                  </p:stCondLst>
+                                  <p:childTnLst>
+                                    <p:set>
+                                      <p:cBhvr>
+                                        <p:cTn id="60" dur="1" fill="hold">
+                                          <p:stCondLst>
+                                            <p:cond delay="0"/>
+                                          </p:stCondLst>
+                                        </p:cTn>
+                                        <p:tgtEl>
+                                          <p:spTgt spid="8">
+                                            <p:txEl>
+                                              <p:pRg st="0" end="0"/>
+                                            </p:txEl>
+                                          </p:spTgt>
+                                        </p:tgtEl>
+                                        <p:attrNameLst>
+                                          <p:attrName>style.visibility</p:attrName>
+                                        </p:attrNameLst>
+                                      </p:cBhvr>
+                                      <p:to>
+                                        <p:strVal val="visible"/>
+                                      </p:to>
+                                    </p:set>
+                                    <p:animEffect transition="in" filter="fade">
+                                      <p:cBhvr>
+                                        <p:cTn id="61" dur="500"/>
+                                        <p:tgtEl>
+                                          <p:spTgt spid="8">
+                                            <p:txEl>
+                                              <p:pRg st="0" end="0"/>
+                                            </p:txEl>
+                                          </p:spTgt>
+                                        </p:tgtEl>
+                                      </p:cBhvr>
+                                    </p:animEffect>
+                                  </p:childTnLst>
+                                </p:cTn>
+                              </p:par>
+                            </p:childTnLst>
+                          </p:cTn>
+                        </p:par>
+                      </p:childTnLst>
+                    </p:cTn>
+                  </p:par>
+                </p:childTnLst>
+              </p:cTn>
+              <p:prevCondLst>
+                <p:cond evt="onPrev" delay="0">
+                  <p:tgtEl>
+                    <p:sldTgt/>
+                  </p:tgtEl>
+                </p:cond>
+              </p:prevCondLst>
+              <p:nextCondLst>
+                <p:cond evt="onNext" delay="0">
+                  <p:tgtEl>
+                    <p:sldTgt/>
+                  </p:tgtEl>
+                </p:cond>
+              </p:nextCondLst>
+            </p:seq>
+          </p:childTnLst>
+        </p:cTn>
       </p:par>
     </p:tnLst>
+    <p:bldLst>
+      <p:bldP spid="3" grpId="0"/>
+    </p:bldLst>
   </p:timing>
 </p:sld>
 </file>
@@ -9403,7 +9476,19 @@
           <a:p>
             <a:r>
               <a:rPr lang="en-US" dirty="0" smtClean="0"/>
-              <a:t>Simulation and Robot Swarm</a:t>
+              <a:t>So </a:t>
+            </a:r>
+            <a:r>
+              <a:rPr lang="en-US" dirty="0"/>
+              <a:t>F</a:t>
+            </a:r>
+            <a:r>
+              <a:rPr lang="en-US" dirty="0" smtClean="0"/>
+              <a:t>ar: Simulation </a:t>
+            </a:r>
+            <a:r>
+              <a:rPr lang="en-US" dirty="0" smtClean="0"/>
+              <a:t>and Robot Swarm</a:t>
             </a:r>
             <a:endParaRPr lang="en-US" dirty="0"/>
           </a:p>
@@ -9442,14 +9527,12 @@
               <a:rPr lang="en-US" dirty="0" smtClean="0"/>
               <a:t>Python Interface</a:t>
             </a:r>
-            <a:endParaRPr lang="en-US" dirty="0" smtClean="0"/>
           </a:p>
           <a:p>
             <a:r>
               <a:rPr lang="en-US" dirty="0" smtClean="0"/>
               <a:t>Movable Swarm</a:t>
             </a:r>
-            <a:endParaRPr lang="en-US" dirty="0" smtClean="0"/>
           </a:p>
           <a:p>
             <a:r>
@@ -9460,6 +9543,117 @@
           </a:p>
         </p:txBody>
       </p:sp>
+      <p:pic>
+        <p:nvPicPr>
+          <p:cNvPr id="3075" name="Picture 3"/>
+          <p:cNvPicPr>
+            <a:picLocks noChangeAspect="1" noChangeArrowheads="1"/>
+          </p:cNvPicPr>
+          <p:nvPr/>
+        </p:nvPicPr>
+        <p:blipFill rotWithShape="1">
+          <a:blip r:embed="rId2" cstate="print">
+            <a:extLst>
+              <a:ext uri="{28A0092B-C50C-407E-A947-70E740481C1C}">
+                <a14:useLocalDpi xmlns:a14="http://schemas.microsoft.com/office/drawing/2010/main" val="0"/>
+              </a:ext>
+            </a:extLst>
+          </a:blip>
+          <a:srcRect l="8282" t="5532" r="-837" b="16031"/>
+          <a:stretch/>
+        </p:blipFill>
+        <p:spPr bwMode="auto">
+          <a:xfrm>
+            <a:off x="6627812" y="1828800"/>
+            <a:ext cx="5094824" cy="2428680"/>
+          </a:xfrm>
+          <a:prstGeom prst="rect">
+            <a:avLst/>
+          </a:prstGeom>
+          <a:noFill/>
+          <a:ln>
+            <a:noFill/>
+          </a:ln>
+          <a:effectLst>
+            <a:outerShdw blurRad="152400" dist="317500" dir="5400000" sx="90000" sy="-19000" rotWithShape="0">
+              <a:prstClr val="black">
+                <a:alpha val="15000"/>
+              </a:prstClr>
+            </a:outerShdw>
+          </a:effectLst>
+          <a:extLst>
+            <a:ext uri="{909E8E84-426E-40DD-AFC4-6F175D3DCCD1}">
+              <a14:hiddenFill xmlns:a14="http://schemas.microsoft.com/office/drawing/2010/main">
+                <a:solidFill>
+                  <a:schemeClr val="accent1"/>
+                </a:solidFill>
+              </a14:hiddenFill>
+            </a:ext>
+            <a:ext uri="{91240B29-F687-4F45-9708-019B960494DF}">
+              <a14:hiddenLine xmlns:a14="http://schemas.microsoft.com/office/drawing/2010/main" w="9525">
+                <a:solidFill>
+                  <a:schemeClr val="tx1"/>
+                </a:solidFill>
+                <a:miter lim="800000"/>
+                <a:headEnd/>
+                <a:tailEnd/>
+              </a14:hiddenLine>
+            </a:ext>
+          </a:extLst>
+        </p:spPr>
+      </p:pic>
+      <p:pic>
+        <p:nvPicPr>
+          <p:cNvPr id="3076" name="Picture 4"/>
+          <p:cNvPicPr>
+            <a:picLocks noChangeAspect="1" noChangeArrowheads="1"/>
+          </p:cNvPicPr>
+          <p:nvPr/>
+        </p:nvPicPr>
+        <p:blipFill rotWithShape="1">
+          <a:blip r:embed="rId3" cstate="print">
+            <a:extLst>
+              <a:ext uri="{28A0092B-C50C-407E-A947-70E740481C1C}">
+                <a14:useLocalDpi xmlns:a14="http://schemas.microsoft.com/office/drawing/2010/main" val="0"/>
+              </a:ext>
+            </a:extLst>
+          </a:blip>
+          <a:srcRect t="4463" r="16790" b="4463"/>
+          <a:stretch/>
+        </p:blipFill>
+        <p:spPr bwMode="auto">
+          <a:xfrm>
+            <a:off x="6604453" y="1839686"/>
+            <a:ext cx="4290559" cy="2741101"/>
+          </a:xfrm>
+          <a:prstGeom prst="rect">
+            <a:avLst/>
+          </a:prstGeom>
+          <a:noFill/>
+          <a:ln>
+            <a:noFill/>
+          </a:ln>
+          <a:extLst>
+            <a:ext uri="{909E8E84-426E-40DD-AFC4-6F175D3DCCD1}">
+              <a14:hiddenFill xmlns:a14="http://schemas.microsoft.com/office/drawing/2010/main">
+                <a:solidFill>
+                  <a:schemeClr val="accent1"/>
+                </a:solidFill>
+              </a14:hiddenFill>
+            </a:ext>
+            <a:ext uri="{91240B29-F687-4F45-9708-019B960494DF}">
+              <a14:hiddenLine xmlns:a14="http://schemas.microsoft.com/office/drawing/2010/main" w="9525">
+                <a:solidFill>
+                  <a:schemeClr val="tx1"/>
+                </a:solidFill>
+                <a:miter lim="800000"/>
+                <a:headEnd/>
+                <a:tailEnd/>
+              </a14:hiddenLine>
+            </a:ext>
+          </a:extLst>
+        </p:spPr>
+      </p:pic>
     </p:spTree>
     <p:extLst>
       <p:ext uri="{BB962C8B-B14F-4D97-AF65-F5344CB8AC3E}">
@@ -9485,9 +9679,474 @@
   <p:timing>
     <p:tnLst>
       <p:par>
-        <p:cTn id="1" dur="indefinite" restart="never" nodeType="tmRoot"/>
+        <p:cTn id="1" dur="indefinite" restart="never" nodeType="tmRoot">
+          <p:childTnLst>
+            <p:seq concurrent="1" nextAc="seek">
+              <p:cTn id="2" dur="indefinite" nodeType="mainSeq">
+                <p:childTnLst>
+                  <p:par>
+                    <p:cTn id="3" fill="hold">
+                      <p:stCondLst>
+                        <p:cond delay="indefinite"/>
+                        <p:cond evt="onBegin" delay="0">
+                          <p:tn val="2"/>
+                        </p:cond>
+                      </p:stCondLst>
+                      <p:childTnLst>
+                        <p:par>
+                          <p:cTn id="4" fill="hold">
+                            <p:stCondLst>
+                              <p:cond delay="0"/>
+                            </p:stCondLst>
+                            <p:childTnLst>
+                              <p:par>
+                                <p:cTn id="5" presetID="10" presetClass="entr" presetSubtype="0" fill="hold" grpId="0" nodeType="withEffect">
+                                  <p:stCondLst>
+                                    <p:cond delay="0"/>
+                                  </p:stCondLst>
+                                  <p:childTnLst>
+                                    <p:set>
+                                      <p:cBhvr>
+                                        <p:cTn id="6" dur="1" fill="hold">
+                                          <p:stCondLst>
+                                            <p:cond delay="0"/>
+                                          </p:stCondLst>
+                                        </p:cTn>
+                                        <p:tgtEl>
+                                          <p:spTgt spid="13"/>
+                                        </p:tgtEl>
+                                        <p:attrNameLst>
+                                          <p:attrName>style.visibility</p:attrName>
+                                        </p:attrNameLst>
+                                      </p:cBhvr>
+                                      <p:to>
+                                        <p:strVal val="visible"/>
+                                      </p:to>
+                                    </p:set>
+                                    <p:animEffect transition="in" filter="fade">
+                                      <p:cBhvr>
+                                        <p:cTn id="7" dur="500"/>
+                                        <p:tgtEl>
+                                          <p:spTgt spid="13"/>
+                                        </p:tgtEl>
+                                      </p:cBhvr>
+                                    </p:animEffect>
+                                  </p:childTnLst>
+                                </p:cTn>
+                              </p:par>
+                            </p:childTnLst>
+                          </p:cTn>
+                        </p:par>
+                      </p:childTnLst>
+                    </p:cTn>
+                  </p:par>
+                  <p:par>
+                    <p:cTn id="8" fill="hold">
+                      <p:stCondLst>
+                        <p:cond delay="indefinite"/>
+                      </p:stCondLst>
+                      <p:childTnLst>
+                        <p:par>
+                          <p:cTn id="9" fill="hold">
+                            <p:stCondLst>
+                              <p:cond delay="0"/>
+                            </p:stCondLst>
+                            <p:childTnLst>
+                              <p:par>
+                                <p:cTn id="10" presetID="10" presetClass="entr" presetSubtype="0" fill="hold" nodeType="clickEffect">
+                                  <p:stCondLst>
+                                    <p:cond delay="0"/>
+                                  </p:stCondLst>
+                                  <p:childTnLst>
+                                    <p:set>
+                                      <p:cBhvr>
+                                        <p:cTn id="11" dur="1" fill="hold">
+                                          <p:stCondLst>
+                                            <p:cond delay="0"/>
+                                          </p:stCondLst>
+                                        </p:cTn>
+                                        <p:tgtEl>
+                                          <p:spTgt spid="14">
+                                            <p:txEl>
+                                              <p:pRg st="0" end="0"/>
+                                            </p:txEl>
+                                          </p:spTgt>
+                                        </p:tgtEl>
+                                        <p:attrNameLst>
+                                          <p:attrName>style.visibility</p:attrName>
+                                        </p:attrNameLst>
+                                      </p:cBhvr>
+                                      <p:to>
+                                        <p:strVal val="visible"/>
+                                      </p:to>
+                                    </p:set>
+                                    <p:animEffect transition="in" filter="fade">
+                                      <p:cBhvr>
+                                        <p:cTn id="12" dur="500"/>
+                                        <p:tgtEl>
+                                          <p:spTgt spid="14">
+                                            <p:txEl>
+                                              <p:pRg st="0" end="0"/>
+                                            </p:txEl>
+                                          </p:spTgt>
+                                        </p:tgtEl>
+                                      </p:cBhvr>
+                                    </p:animEffect>
+                                  </p:childTnLst>
+                                </p:cTn>
+                              </p:par>
+                              <p:par>
+                                <p:cTn id="13" presetID="10" presetClass="entr" presetSubtype="0" fill="hold" nodeType="withEffect">
+                                  <p:stCondLst>
+                                    <p:cond delay="0"/>
+                                  </p:stCondLst>
+                                  <p:childTnLst>
+                                    <p:set>
+                                      <p:cBhvr>
+                                        <p:cTn id="14" dur="1" fill="hold">
+                                          <p:stCondLst>
+                                            <p:cond delay="0"/>
+                                          </p:stCondLst>
+                                        </p:cTn>
+                                        <p:tgtEl>
+                                          <p:spTgt spid="14">
+                                            <p:txEl>
+                                              <p:pRg st="1" end="1"/>
+                                            </p:txEl>
+                                          </p:spTgt>
+                                        </p:tgtEl>
+                                        <p:attrNameLst>
+                                          <p:attrName>style.visibility</p:attrName>
+                                        </p:attrNameLst>
+                                      </p:cBhvr>
+                                      <p:to>
+                                        <p:strVal val="visible"/>
+                                      </p:to>
+                                    </p:set>
+                                    <p:animEffect transition="in" filter="fade">
+                                      <p:cBhvr>
+                                        <p:cTn id="15" dur="500"/>
+                                        <p:tgtEl>
+                                          <p:spTgt spid="14">
+                                            <p:txEl>
+                                              <p:pRg st="1" end="1"/>
+                                            </p:txEl>
+                                          </p:spTgt>
+                                        </p:tgtEl>
+                                      </p:cBhvr>
+                                    </p:animEffect>
+                                  </p:childTnLst>
+                                </p:cTn>
+                              </p:par>
+                              <p:par>
+                                <p:cTn id="16" presetID="10" presetClass="entr" presetSubtype="0" fill="hold" nodeType="withEffect">
+                                  <p:stCondLst>
+                                    <p:cond delay="0"/>
+                                  </p:stCondLst>
+                                  <p:childTnLst>
+                                    <p:set>
+                                      <p:cBhvr>
+                                        <p:cTn id="17" dur="1" fill="hold">
+                                          <p:stCondLst>
+                                            <p:cond delay="0"/>
+                                          </p:stCondLst>
+                                        </p:cTn>
+                                        <p:tgtEl>
+                                          <p:spTgt spid="14">
+                                            <p:txEl>
+                                              <p:pRg st="2" end="2"/>
+                                            </p:txEl>
+                                          </p:spTgt>
+                                        </p:tgtEl>
+                                        <p:attrNameLst>
+                                          <p:attrName>style.visibility</p:attrName>
+                                        </p:attrNameLst>
+                                      </p:cBhvr>
+                                      <p:to>
+                                        <p:strVal val="visible"/>
+                                      </p:to>
+                                    </p:set>
+                                    <p:animEffect transition="in" filter="fade">
+                                      <p:cBhvr>
+                                        <p:cTn id="18" dur="500"/>
+                                        <p:tgtEl>
+                                          <p:spTgt spid="14">
+                                            <p:txEl>
+                                              <p:pRg st="2" end="2"/>
+                                            </p:txEl>
+                                          </p:spTgt>
+                                        </p:tgtEl>
+                                      </p:cBhvr>
+                                    </p:animEffect>
+                                  </p:childTnLst>
+                                </p:cTn>
+                              </p:par>
+                              <p:par>
+                                <p:cTn id="19" presetID="10" presetClass="entr" presetSubtype="0" fill="hold" nodeType="withEffect">
+                                  <p:stCondLst>
+                                    <p:cond delay="0"/>
+                                  </p:stCondLst>
+                                  <p:childTnLst>
+                                    <p:set>
+                                      <p:cBhvr>
+                                        <p:cTn id="20" dur="1" fill="hold">
+                                          <p:stCondLst>
+                                            <p:cond delay="0"/>
+                                          </p:stCondLst>
+                                        </p:cTn>
+                                        <p:tgtEl>
+                                          <p:spTgt spid="3075"/>
+                                        </p:tgtEl>
+                                        <p:attrNameLst>
+                                          <p:attrName>style.visibility</p:attrName>
+                                        </p:attrNameLst>
+                                      </p:cBhvr>
+                                      <p:to>
+                                        <p:strVal val="visible"/>
+                                      </p:to>
+                                    </p:set>
+                                    <p:animEffect transition="in" filter="fade">
+                                      <p:cBhvr>
+                                        <p:cTn id="21" dur="500"/>
+                                        <p:tgtEl>
+                                          <p:spTgt spid="3075"/>
+                                        </p:tgtEl>
+                                      </p:cBhvr>
+                                    </p:animEffect>
+                                  </p:childTnLst>
+                                </p:cTn>
+                              </p:par>
+                            </p:childTnLst>
+                          </p:cTn>
+                        </p:par>
+                      </p:childTnLst>
+                    </p:cTn>
+                  </p:par>
+                  <p:par>
+                    <p:cTn id="22" fill="hold">
+                      <p:stCondLst>
+                        <p:cond delay="indefinite"/>
+                      </p:stCondLst>
+                      <p:childTnLst>
+                        <p:par>
+                          <p:cTn id="23" fill="hold">
+                            <p:stCondLst>
+                              <p:cond delay="0"/>
+                            </p:stCondLst>
+                            <p:childTnLst>
+                              <p:par>
+                                <p:cTn id="24" presetID="10" presetClass="entr" presetSubtype="0" fill="hold" nodeType="clickEffect">
+                                  <p:stCondLst>
+                                    <p:cond delay="0"/>
+                                  </p:stCondLst>
+                                  <p:childTnLst>
+                                    <p:set>
+                                      <p:cBhvr>
+                                        <p:cTn id="25" dur="1" fill="hold">
+                                          <p:stCondLst>
+                                            <p:cond delay="0"/>
+                                          </p:stCondLst>
+                                        </p:cTn>
+                                        <p:tgtEl>
+                                          <p:spTgt spid="14">
+                                            <p:txEl>
+                                              <p:pRg st="3" end="3"/>
+                                            </p:txEl>
+                                          </p:spTgt>
+                                        </p:tgtEl>
+                                        <p:attrNameLst>
+                                          <p:attrName>style.visibility</p:attrName>
+                                        </p:attrNameLst>
+                                      </p:cBhvr>
+                                      <p:to>
+                                        <p:strVal val="visible"/>
+                                      </p:to>
+                                    </p:set>
+                                    <p:animEffect transition="in" filter="fade">
+                                      <p:cBhvr>
+                                        <p:cTn id="26" dur="500"/>
+                                        <p:tgtEl>
+                                          <p:spTgt spid="14">
+                                            <p:txEl>
+                                              <p:pRg st="3" end="3"/>
+                                            </p:txEl>
+                                          </p:spTgt>
+                                        </p:tgtEl>
+                                      </p:cBhvr>
+                                    </p:animEffect>
+                                  </p:childTnLst>
+                                </p:cTn>
+                              </p:par>
+                              <p:par>
+                                <p:cTn id="27" presetID="10" presetClass="exit" presetSubtype="0" fill="hold" nodeType="withEffect">
+                                  <p:stCondLst>
+                                    <p:cond delay="0"/>
+                                  </p:stCondLst>
+                                  <p:childTnLst>
+                                    <p:animEffect transition="out" filter="fade">
+                                      <p:cBhvr>
+                                        <p:cTn id="28" dur="500"/>
+                                        <p:tgtEl>
+                                          <p:spTgt spid="3075"/>
+                                        </p:tgtEl>
+                                      </p:cBhvr>
+                                    </p:animEffect>
+                                    <p:set>
+                                      <p:cBhvr>
+                                        <p:cTn id="29" dur="1" fill="hold">
+                                          <p:stCondLst>
+                                            <p:cond delay="499"/>
+                                          </p:stCondLst>
+                                        </p:cTn>
+                                        <p:tgtEl>
+                                          <p:spTgt spid="3075"/>
+                                        </p:tgtEl>
+                                        <p:attrNameLst>
+                                          <p:attrName>style.visibility</p:attrName>
+                                        </p:attrNameLst>
+                                      </p:cBhvr>
+                                      <p:to>
+                                        <p:strVal val="hidden"/>
+                                      </p:to>
+                                    </p:set>
+                                  </p:childTnLst>
+                                </p:cTn>
+                              </p:par>
+                            </p:childTnLst>
+                          </p:cTn>
+                        </p:par>
+                        <p:par>
+                          <p:cTn id="30" fill="hold">
+                            <p:stCondLst>
+                              <p:cond delay="500"/>
+                            </p:stCondLst>
+                            <p:childTnLst>
+                              <p:par>
+                                <p:cTn id="31" presetID="10" presetClass="entr" presetSubtype="0" fill="hold" nodeType="afterEffect">
+                                  <p:stCondLst>
+                                    <p:cond delay="0"/>
+                                  </p:stCondLst>
+                                  <p:childTnLst>
+                                    <p:set>
+                                      <p:cBhvr>
+                                        <p:cTn id="32" dur="1" fill="hold">
+                                          <p:stCondLst>
+                                            <p:cond delay="0"/>
+                                          </p:stCondLst>
+                                        </p:cTn>
+                                        <p:tgtEl>
+                                          <p:spTgt spid="3076"/>
+                                        </p:tgtEl>
+                                        <p:attrNameLst>
+                                          <p:attrName>style.visibility</p:attrName>
+                                        </p:attrNameLst>
+                                      </p:cBhvr>
+                                      <p:to>
+                                        <p:strVal val="visible"/>
+                                      </p:to>
+                                    </p:set>
+                                    <p:animEffect transition="in" filter="fade">
+                                      <p:cBhvr>
+                                        <p:cTn id="33" dur="500"/>
+                                        <p:tgtEl>
+                                          <p:spTgt spid="3076"/>
+                                        </p:tgtEl>
+                                      </p:cBhvr>
+                                    </p:animEffect>
+                                  </p:childTnLst>
+                                </p:cTn>
+                              </p:par>
+                            </p:childTnLst>
+                          </p:cTn>
+                        </p:par>
+                      </p:childTnLst>
+                    </p:cTn>
+                  </p:par>
+                  <p:par>
+                    <p:cTn id="34" fill="hold">
+                      <p:stCondLst>
+                        <p:cond delay="indefinite"/>
+                      </p:stCondLst>
+                      <p:childTnLst>
+                        <p:par>
+                          <p:cTn id="35" fill="hold">
+                            <p:stCondLst>
+                              <p:cond delay="0"/>
+                            </p:stCondLst>
+                            <p:childTnLst>
+                              <p:par>
+                                <p:cTn id="36" presetID="10" presetClass="entr" presetSubtype="0" fill="hold" nodeType="clickEffect">
+                                  <p:stCondLst>
+                                    <p:cond delay="0"/>
+                                  </p:stCondLst>
+                                  <p:childTnLst>
+                                    <p:set>
+                                      <p:cBhvr>
+                                        <p:cTn id="37" dur="1" fill="hold">
+                                          <p:stCondLst>
+                                            <p:cond delay="0"/>
+                                          </p:stCondLst>
+                                        </p:cTn>
+                                        <p:tgtEl>
+                                          <p:spTgt spid="14">
+                                            <p:txEl>
+                                              <p:pRg st="4" end="4"/>
+                                            </p:txEl>
+                                          </p:spTgt>
+                                        </p:tgtEl>
+                                        <p:attrNameLst>
+                                          <p:attrName>style.visibility</p:attrName>
+                                        </p:attrNameLst>
+                                      </p:cBhvr>
+                                      <p:to>
+                                        <p:strVal val="visible"/>
+                                      </p:to>
+                                    </p:set>
+                                    <p:animEffect transition="in" filter="fade">
+                                      <p:cBhvr>
+                                        <p:cTn id="38" dur="500"/>
+                                        <p:tgtEl>
+                                          <p:spTgt spid="14">
+                                            <p:txEl>
+                                              <p:pRg st="4" end="4"/>
+                                            </p:txEl>
+                                          </p:spTgt>
+                                        </p:tgtEl>
+                                      </p:cBhvr>
+                                    </p:animEffect>
+                                  </p:childTnLst>
+                                </p:cTn>
+                              </p:par>
+                            </p:childTnLst>
+                          </p:cTn>
+                        </p:par>
+                      </p:childTnLst>
+                    </p:cTn>
+                  </p:par>
+                </p:childTnLst>
+              </p:cTn>
+              <p:prevCondLst>
+                <p:cond evt="onPrev" delay="0">
+                  <p:tgtEl>
+                    <p:sldTgt/>
+                  </p:tgtEl>
+                </p:cond>
+              </p:prevCondLst>
+              <p:nextCondLst>
+                <p:cond evt="onNext" delay="0">
+                  <p:tgtEl>
+                    <p:sldTgt/>
+                  </p:tgtEl>
+                </p:cond>
+              </p:nextCondLst>
+            </p:seq>
+          </p:childTnLst>
+        </p:cTn>
       </p:par>
     </p:tnLst>
+    <p:bldLst>
+      <p:bldP spid="13" grpId="0"/>
+    </p:bldLst>
   </p:timing>
 </p:sld>
 </file>
@@ -9526,7 +10185,11 @@
           <a:p>
             <a:r>
               <a:rPr lang="en-US" dirty="0" smtClean="0"/>
-              <a:t>Vertical Tower Simulation</a:t>
+              <a:t>Steps: Vertical </a:t>
+            </a:r>
+            <a:r>
+              <a:rPr lang="en-US" dirty="0" smtClean="0"/>
+              <a:t>Tower Simulation</a:t>
             </a:r>
             <a:endParaRPr lang="en-US" dirty="0"/>
           </a:p>
@@ -9542,7 +10205,7 @@
             <p:ph idx="1"/>
             <p:extLst>
               <p:ext uri="{D42A27DB-BD31-4B8C-83A1-F6EECF244321}">
-                <p14:modId xmlns:p14="http://schemas.microsoft.com/office/powerpoint/2010/main" val="1818081665"/>
+                <p14:modId xmlns:p14="http://schemas.microsoft.com/office/powerpoint/2010/main" val="1225791351"/>
               </p:ext>
             </p:extLst>
           </p:nvPr>
@@ -9582,730 +10245,548 @@
   <p:timing>
     <p:tnLst>
       <p:par>
-        <p:cTn id="1" dur="indefinite" restart="never" nodeType="tmRoot"/>
+        <p:cTn id="1" dur="indefinite" restart="never" nodeType="tmRoot">
+          <p:childTnLst>
+            <p:seq concurrent="1" nextAc="seek">
+              <p:cTn id="2" dur="indefinite" nodeType="mainSeq">
+                <p:childTnLst>
+                  <p:par>
+                    <p:cTn id="3" fill="hold">
+                      <p:stCondLst>
+                        <p:cond delay="indefinite"/>
+                        <p:cond evt="onBegin" delay="0">
+                          <p:tn val="2"/>
+                        </p:cond>
+                      </p:stCondLst>
+                      <p:childTnLst>
+                        <p:par>
+                          <p:cTn id="4" fill="hold">
+                            <p:stCondLst>
+                              <p:cond delay="0"/>
+                            </p:stCondLst>
+                            <p:childTnLst>
+                              <p:par>
+                                <p:cTn id="5" presetID="10" presetClass="entr" presetSubtype="0" fill="hold" grpId="0" nodeType="withEffect">
+                                  <p:stCondLst>
+                                    <p:cond delay="0"/>
+                                  </p:stCondLst>
+                                  <p:childTnLst>
+                                    <p:set>
+                                      <p:cBhvr>
+                                        <p:cTn id="6" dur="1" fill="hold">
+                                          <p:stCondLst>
+                                            <p:cond delay="0"/>
+                                          </p:stCondLst>
+                                        </p:cTn>
+                                        <p:tgtEl>
+                                          <p:spTgt spid="13"/>
+                                        </p:tgtEl>
+                                        <p:attrNameLst>
+                                          <p:attrName>style.visibility</p:attrName>
+                                        </p:attrNameLst>
+                                      </p:cBhvr>
+                                      <p:to>
+                                        <p:strVal val="visible"/>
+                                      </p:to>
+                                    </p:set>
+                                    <p:animEffect transition="in" filter="fade">
+                                      <p:cBhvr>
+                                        <p:cTn id="7" dur="500"/>
+                                        <p:tgtEl>
+                                          <p:spTgt spid="13"/>
+                                        </p:tgtEl>
+                                      </p:cBhvr>
+                                    </p:animEffect>
+                                  </p:childTnLst>
+                                </p:cTn>
+                              </p:par>
+                            </p:childTnLst>
+                          </p:cTn>
+                        </p:par>
+                      </p:childTnLst>
+                    </p:cTn>
+                  </p:par>
+                  <p:par>
+                    <p:cTn id="8" fill="hold">
+                      <p:stCondLst>
+                        <p:cond delay="indefinite"/>
+                      </p:stCondLst>
+                      <p:childTnLst>
+                        <p:par>
+                          <p:cTn id="9" fill="hold">
+                            <p:stCondLst>
+                              <p:cond delay="0"/>
+                            </p:stCondLst>
+                            <p:childTnLst>
+                              <p:par>
+                                <p:cTn id="10" presetID="10" presetClass="entr" presetSubtype="0" fill="hold" grpId="0" nodeType="clickEffect">
+                                  <p:stCondLst>
+                                    <p:cond delay="0"/>
+                                  </p:stCondLst>
+                                  <p:childTnLst>
+                                    <p:set>
+                                      <p:cBhvr>
+                                        <p:cTn id="11" dur="1" fill="hold">
+                                          <p:stCondLst>
+                                            <p:cond delay="0"/>
+                                          </p:stCondLst>
+                                        </p:cTn>
+                                        <p:tgtEl>
+                                          <p:spTgt spid="3">
+                                            <p:graphicEl>
+                                              <a:dgm id="{E18C6CF4-EDEB-4539-A36D-E0355B626199}"/>
+                                            </p:graphicEl>
+                                          </p:spTgt>
+                                        </p:tgtEl>
+                                        <p:attrNameLst>
+                                          <p:attrName>style.visibility</p:attrName>
+                                        </p:attrNameLst>
+                                      </p:cBhvr>
+                                      <p:to>
+                                        <p:strVal val="visible"/>
+                                      </p:to>
+                                    </p:set>
+                                    <p:animEffect transition="in" filter="fade">
+                                      <p:cBhvr>
+                                        <p:cTn id="12" dur="500"/>
+                                        <p:tgtEl>
+                                          <p:spTgt spid="3">
+                                            <p:graphicEl>
+                                              <a:dgm id="{E18C6CF4-EDEB-4539-A36D-E0355B626199}"/>
+                                            </p:graphicEl>
+                                          </p:spTgt>
+                                        </p:tgtEl>
+                                      </p:cBhvr>
+                                    </p:animEffect>
+                                  </p:childTnLst>
+                                </p:cTn>
+                              </p:par>
+                            </p:childTnLst>
+                          </p:cTn>
+                        </p:par>
+                      </p:childTnLst>
+                    </p:cTn>
+                  </p:par>
+                  <p:par>
+                    <p:cTn id="13" fill="hold">
+                      <p:stCondLst>
+                        <p:cond delay="indefinite"/>
+                      </p:stCondLst>
+                      <p:childTnLst>
+                        <p:par>
+                          <p:cTn id="14" fill="hold">
+                            <p:stCondLst>
+                              <p:cond delay="0"/>
+                            </p:stCondLst>
+                            <p:childTnLst>
+                              <p:par>
+                                <p:cTn id="15" presetID="10" presetClass="entr" presetSubtype="0" fill="hold" grpId="0" nodeType="clickEffect">
+                                  <p:stCondLst>
+                                    <p:cond delay="0"/>
+                                  </p:stCondLst>
+                                  <p:childTnLst>
+                                    <p:set>
+                                      <p:cBhvr>
+                                        <p:cTn id="16" dur="1" fill="hold">
+                                          <p:stCondLst>
+                                            <p:cond delay="0"/>
+                                          </p:stCondLst>
+                                        </p:cTn>
+                                        <p:tgtEl>
+                                          <p:spTgt spid="3">
+                                            <p:graphicEl>
+                                              <a:dgm id="{96015622-8A46-45CF-A72A-2856B699B374}"/>
+                                            </p:graphicEl>
+                                          </p:spTgt>
+                                        </p:tgtEl>
+                                        <p:attrNameLst>
+                                          <p:attrName>style.visibility</p:attrName>
+                                        </p:attrNameLst>
+                                      </p:cBhvr>
+                                      <p:to>
+                                        <p:strVal val="visible"/>
+                                      </p:to>
+                                    </p:set>
+                                    <p:animEffect transition="in" filter="fade">
+                                      <p:cBhvr>
+                                        <p:cTn id="17" dur="500"/>
+                                        <p:tgtEl>
+                                          <p:spTgt spid="3">
+                                            <p:graphicEl>
+                                              <a:dgm id="{96015622-8A46-45CF-A72A-2856B699B374}"/>
+                                            </p:graphicEl>
+                                          </p:spTgt>
+                                        </p:tgtEl>
+                                      </p:cBhvr>
+                                    </p:animEffect>
+                                  </p:childTnLst>
+                                </p:cTn>
+                              </p:par>
+                            </p:childTnLst>
+                          </p:cTn>
+                        </p:par>
+                      </p:childTnLst>
+                    </p:cTn>
+                  </p:par>
+                  <p:par>
+                    <p:cTn id="18" fill="hold">
+                      <p:stCondLst>
+                        <p:cond delay="indefinite"/>
+                      </p:stCondLst>
+                      <p:childTnLst>
+                        <p:par>
+                          <p:cTn id="19" fill="hold">
+                            <p:stCondLst>
+                              <p:cond delay="0"/>
+                            </p:stCondLst>
+                            <p:childTnLst>
+                              <p:par>
+                                <p:cTn id="20" presetID="10" presetClass="entr" presetSubtype="0" fill="hold" grpId="0" nodeType="clickEffect">
+                                  <p:stCondLst>
+                                    <p:cond delay="0"/>
+                                  </p:stCondLst>
+                                  <p:childTnLst>
+                                    <p:set>
+                                      <p:cBhvr>
+                                        <p:cTn id="21" dur="1" fill="hold">
+                                          <p:stCondLst>
+                                            <p:cond delay="0"/>
+                                          </p:stCondLst>
+                                        </p:cTn>
+                                        <p:tgtEl>
+                                          <p:spTgt spid="3">
+                                            <p:graphicEl>
+                                              <a:dgm id="{6A63D16E-EEE6-4267-97EA-5AD7D2BC4E84}"/>
+                                            </p:graphicEl>
+                                          </p:spTgt>
+                                        </p:tgtEl>
+                                        <p:attrNameLst>
+                                          <p:attrName>style.visibility</p:attrName>
+                                        </p:attrNameLst>
+                                      </p:cBhvr>
+                                      <p:to>
+                                        <p:strVal val="visible"/>
+                                      </p:to>
+                                    </p:set>
+                                    <p:animEffect transition="in" filter="fade">
+                                      <p:cBhvr>
+                                        <p:cTn id="22" dur="500"/>
+                                        <p:tgtEl>
+                                          <p:spTgt spid="3">
+                                            <p:graphicEl>
+                                              <a:dgm id="{6A63D16E-EEE6-4267-97EA-5AD7D2BC4E84}"/>
+                                            </p:graphicEl>
+                                          </p:spTgt>
+                                        </p:tgtEl>
+                                      </p:cBhvr>
+                                    </p:animEffect>
+                                  </p:childTnLst>
+                                </p:cTn>
+                              </p:par>
+                              <p:par>
+                                <p:cTn id="23" presetID="10" presetClass="entr" presetSubtype="0" fill="hold" grpId="0" nodeType="withEffect">
+                                  <p:stCondLst>
+                                    <p:cond delay="0"/>
+                                  </p:stCondLst>
+                                  <p:childTnLst>
+                                    <p:set>
+                                      <p:cBhvr>
+                                        <p:cTn id="24" dur="1" fill="hold">
+                                          <p:stCondLst>
+                                            <p:cond delay="0"/>
+                                          </p:stCondLst>
+                                        </p:cTn>
+                                        <p:tgtEl>
+                                          <p:spTgt spid="3">
+                                            <p:graphicEl>
+                                              <a:dgm id="{029D1FDE-4DD7-4FA5-8C70-0C747477B66C}"/>
+                                            </p:graphicEl>
+                                          </p:spTgt>
+                                        </p:tgtEl>
+                                        <p:attrNameLst>
+                                          <p:attrName>style.visibility</p:attrName>
+                                        </p:attrNameLst>
+                                      </p:cBhvr>
+                                      <p:to>
+                                        <p:strVal val="visible"/>
+                                      </p:to>
+                                    </p:set>
+                                    <p:animEffect transition="in" filter="fade">
+                                      <p:cBhvr>
+                                        <p:cTn id="25" dur="500"/>
+                                        <p:tgtEl>
+                                          <p:spTgt spid="3">
+                                            <p:graphicEl>
+                                              <a:dgm id="{029D1FDE-4DD7-4FA5-8C70-0C747477B66C}"/>
+                                            </p:graphicEl>
+                                          </p:spTgt>
+                                        </p:tgtEl>
+                                      </p:cBhvr>
+                                    </p:animEffect>
+                                  </p:childTnLst>
+                                </p:cTn>
+                              </p:par>
+                            </p:childTnLst>
+                          </p:cTn>
+                        </p:par>
+                      </p:childTnLst>
+                    </p:cTn>
+                  </p:par>
+                  <p:par>
+                    <p:cTn id="26" fill="hold">
+                      <p:stCondLst>
+                        <p:cond delay="indefinite"/>
+                      </p:stCondLst>
+                      <p:childTnLst>
+                        <p:par>
+                          <p:cTn id="27" fill="hold">
+                            <p:stCondLst>
+                              <p:cond delay="0"/>
+                            </p:stCondLst>
+                            <p:childTnLst>
+                              <p:par>
+                                <p:cTn id="28" presetID="10" presetClass="entr" presetSubtype="0" fill="hold" grpId="0" nodeType="clickEffect">
+                                  <p:stCondLst>
+                                    <p:cond delay="0"/>
+                                  </p:stCondLst>
+                                  <p:childTnLst>
+                                    <p:set>
+                                      <p:cBhvr>
+                                        <p:cTn id="29" dur="1" fill="hold">
+                                          <p:stCondLst>
+                                            <p:cond delay="0"/>
+                                          </p:stCondLst>
+                                        </p:cTn>
+                                        <p:tgtEl>
+                                          <p:spTgt spid="3">
+                                            <p:graphicEl>
+                                              <a:dgm id="{E83793B4-2C5C-4D90-82FA-E5EE4745664D}"/>
+                                            </p:graphicEl>
+                                          </p:spTgt>
+                                        </p:tgtEl>
+                                        <p:attrNameLst>
+                                          <p:attrName>style.visibility</p:attrName>
+                                        </p:attrNameLst>
+                                      </p:cBhvr>
+                                      <p:to>
+                                        <p:strVal val="visible"/>
+                                      </p:to>
+                                    </p:set>
+                                    <p:animEffect transition="in" filter="fade">
+                                      <p:cBhvr>
+                                        <p:cTn id="30" dur="500"/>
+                                        <p:tgtEl>
+                                          <p:spTgt spid="3">
+                                            <p:graphicEl>
+                                              <a:dgm id="{E83793B4-2C5C-4D90-82FA-E5EE4745664D}"/>
+                                            </p:graphicEl>
+                                          </p:spTgt>
+                                        </p:tgtEl>
+                                      </p:cBhvr>
+                                    </p:animEffect>
+                                  </p:childTnLst>
+                                </p:cTn>
+                              </p:par>
+                            </p:childTnLst>
+                          </p:cTn>
+                        </p:par>
+                      </p:childTnLst>
+                    </p:cTn>
+                  </p:par>
+                  <p:par>
+                    <p:cTn id="31" fill="hold">
+                      <p:stCondLst>
+                        <p:cond delay="indefinite"/>
+                      </p:stCondLst>
+                      <p:childTnLst>
+                        <p:par>
+                          <p:cTn id="32" fill="hold">
+                            <p:stCondLst>
+                              <p:cond delay="0"/>
+                            </p:stCondLst>
+                            <p:childTnLst>
+                              <p:par>
+                                <p:cTn id="33" presetID="10" presetClass="entr" presetSubtype="0" fill="hold" grpId="0" nodeType="clickEffect">
+                                  <p:stCondLst>
+                                    <p:cond delay="0"/>
+                                  </p:stCondLst>
+                                  <p:childTnLst>
+                                    <p:set>
+                                      <p:cBhvr>
+                                        <p:cTn id="34" dur="1" fill="hold">
+                                          <p:stCondLst>
+                                            <p:cond delay="0"/>
+                                          </p:stCondLst>
+                                        </p:cTn>
+                                        <p:tgtEl>
+                                          <p:spTgt spid="3">
+                                            <p:graphicEl>
+                                              <a:dgm id="{DC2A0ADB-DCE3-4BF4-9952-0394865777AC}"/>
+                                            </p:graphicEl>
+                                          </p:spTgt>
+                                        </p:tgtEl>
+                                        <p:attrNameLst>
+                                          <p:attrName>style.visibility</p:attrName>
+                                        </p:attrNameLst>
+                                      </p:cBhvr>
+                                      <p:to>
+                                        <p:strVal val="visible"/>
+                                      </p:to>
+                                    </p:set>
+                                    <p:animEffect transition="in" filter="fade">
+                                      <p:cBhvr>
+                                        <p:cTn id="35" dur="500"/>
+                                        <p:tgtEl>
+                                          <p:spTgt spid="3">
+                                            <p:graphicEl>
+                                              <a:dgm id="{DC2A0ADB-DCE3-4BF4-9952-0394865777AC}"/>
+                                            </p:graphicEl>
+                                          </p:spTgt>
+                                        </p:tgtEl>
+                                      </p:cBhvr>
+                                    </p:animEffect>
+                                  </p:childTnLst>
+                                </p:cTn>
+                              </p:par>
+                              <p:par>
+                                <p:cTn id="36" presetID="10" presetClass="entr" presetSubtype="0" fill="hold" grpId="0" nodeType="withEffect">
+                                  <p:stCondLst>
+                                    <p:cond delay="0"/>
+                                  </p:stCondLst>
+                                  <p:childTnLst>
+                                    <p:set>
+                                      <p:cBhvr>
+                                        <p:cTn id="37" dur="1" fill="hold">
+                                          <p:stCondLst>
+                                            <p:cond delay="0"/>
+                                          </p:stCondLst>
+                                        </p:cTn>
+                                        <p:tgtEl>
+                                          <p:spTgt spid="3">
+                                            <p:graphicEl>
+                                              <a:dgm id="{047F5837-10E2-4FFC-A492-DB8A19EF48CA}"/>
+                                            </p:graphicEl>
+                                          </p:spTgt>
+                                        </p:tgtEl>
+                                        <p:attrNameLst>
+                                          <p:attrName>style.visibility</p:attrName>
+                                        </p:attrNameLst>
+                                      </p:cBhvr>
+                                      <p:to>
+                                        <p:strVal val="visible"/>
+                                      </p:to>
+                                    </p:set>
+                                    <p:animEffect transition="in" filter="fade">
+                                      <p:cBhvr>
+                                        <p:cTn id="38" dur="500"/>
+                                        <p:tgtEl>
+                                          <p:spTgt spid="3">
+                                            <p:graphicEl>
+                                              <a:dgm id="{047F5837-10E2-4FFC-A492-DB8A19EF48CA}"/>
+                                            </p:graphicEl>
+                                          </p:spTgt>
+                                        </p:tgtEl>
+                                      </p:cBhvr>
+                                    </p:animEffect>
+                                  </p:childTnLst>
+                                </p:cTn>
+                              </p:par>
+                            </p:childTnLst>
+                          </p:cTn>
+                        </p:par>
+                      </p:childTnLst>
+                    </p:cTn>
+                  </p:par>
+                  <p:par>
+                    <p:cTn id="39" fill="hold">
+                      <p:stCondLst>
+                        <p:cond delay="indefinite"/>
+                      </p:stCondLst>
+                      <p:childTnLst>
+                        <p:par>
+                          <p:cTn id="40" fill="hold">
+                            <p:stCondLst>
+                              <p:cond delay="0"/>
+                            </p:stCondLst>
+                            <p:childTnLst>
+                              <p:par>
+                                <p:cTn id="41" presetID="10" presetClass="entr" presetSubtype="0" fill="hold" grpId="0" nodeType="clickEffect">
+                                  <p:stCondLst>
+                                    <p:cond delay="0"/>
+                                  </p:stCondLst>
+                                  <p:childTnLst>
+                                    <p:set>
+                                      <p:cBhvr>
+                                        <p:cTn id="42" dur="1" fill="hold">
+                                          <p:stCondLst>
+                                            <p:cond delay="0"/>
+                                          </p:stCondLst>
+                                        </p:cTn>
+                                        <p:tgtEl>
+                                          <p:spTgt spid="3">
+                                            <p:graphicEl>
+                                              <a:dgm id="{69C28D3B-E083-42DF-9EA0-916CA12125A9}"/>
+                                            </p:graphicEl>
+                                          </p:spTgt>
+                                        </p:tgtEl>
+                                        <p:attrNameLst>
+                                          <p:attrName>style.visibility</p:attrName>
+                                        </p:attrNameLst>
+                                      </p:cBhvr>
+                                      <p:to>
+                                        <p:strVal val="visible"/>
+                                      </p:to>
+                                    </p:set>
+                                    <p:animEffect transition="in" filter="fade">
+                                      <p:cBhvr>
+                                        <p:cTn id="43" dur="500"/>
+                                        <p:tgtEl>
+                                          <p:spTgt spid="3">
+                                            <p:graphicEl>
+                                              <a:dgm id="{69C28D3B-E083-42DF-9EA0-916CA12125A9}"/>
+                                            </p:graphicEl>
+                                          </p:spTgt>
+                                        </p:tgtEl>
+                                      </p:cBhvr>
+                                    </p:animEffect>
+                                  </p:childTnLst>
+                                </p:cTn>
+                              </p:par>
+                            </p:childTnLst>
+                          </p:cTn>
+                        </p:par>
+                      </p:childTnLst>
+                    </p:cTn>
+                  </p:par>
+                </p:childTnLst>
+              </p:cTn>
+              <p:prevCondLst>
+                <p:cond evt="onPrev" delay="0">
+                  <p:tgtEl>
+                    <p:sldTgt/>
+                  </p:tgtEl>
+                </p:cond>
+              </p:prevCondLst>
+              <p:nextCondLst>
+                <p:cond evt="onNext" delay="0">
+                  <p:tgtEl>
+                    <p:sldTgt/>
+                  </p:tgtEl>
+                </p:cond>
+              </p:nextCondLst>
+            </p:seq>
+          </p:childTnLst>
+        </p:cTn>
       </p:par>
     </p:tnLst>
-  </p:timing>
-</p:sld>
-</file>
-
-<file path=ppt/slides/slide5.xml><?xml version="1.0" encoding="utf-8"?>
-<p:sld xmlns:a="http://schemas.openxmlformats.org/drawingml/2006/main" xmlns:r="http://schemas.openxmlformats.org/officeDocument/2006/relationships" xmlns:p="http://schemas.openxmlformats.org/presentationml/2006/main">
-  <p:cSld>
-    <p:spTree>
-      <p:nvGrpSpPr>
-        <p:cNvPr id="1" name=""/>
-        <p:cNvGrpSpPr/>
-        <p:nvPr/>
-      </p:nvGrpSpPr>
-      <p:grpSpPr>
-        <a:xfrm>
-          <a:off x="0" y="0"/>
-          <a:ext cx="0" cy="0"/>
-          <a:chOff x="0" y="0"/>
-          <a:chExt cx="0" cy="0"/>
-        </a:xfrm>
-      </p:grpSpPr>
-      <p:sp>
-        <p:nvSpPr>
-          <p:cNvPr id="13" name="Title 12"/>
-          <p:cNvSpPr>
-            <a:spLocks noGrp="1"/>
-          </p:cNvSpPr>
-          <p:nvPr>
-            <p:ph type="title"/>
-          </p:nvPr>
-        </p:nvSpPr>
-        <p:spPr/>
-        <p:txBody>
-          <a:bodyPr/>
-          <a:lstStyle/>
-          <a:p>
-            <a:r>
-              <a:rPr lang="en-US" dirty="0" smtClean="0"/>
-              <a:t>To Come</a:t>
-            </a:r>
-            <a:endParaRPr lang="en-US" dirty="0"/>
-          </a:p>
-        </p:txBody>
-      </p:sp>
-      <p:graphicFrame>
-        <p:nvGraphicFramePr>
-          <p:cNvPr id="6" name="Content Placeholder 5" descr="Clustered Column – Line Combination chart" title="Chart"/>
-          <p:cNvGraphicFramePr>
-            <a:graphicFrameLocks noGrp="1"/>
-          </p:cNvGraphicFramePr>
-          <p:nvPr>
-            <p:ph idx="1"/>
-            <p:extLst>
-              <p:ext uri="{D42A27DB-BD31-4B8C-83A1-F6EECF244321}">
-                <p14:modId xmlns:p14="http://schemas.microsoft.com/office/powerpoint/2010/main" val="1685095878"/>
-              </p:ext>
-            </p:extLst>
-          </p:nvPr>
-        </p:nvGraphicFramePr>
-        <p:xfrm>
-          <a:off x="1522413" y="1905000"/>
-          <a:ext cx="9134475" cy="4114800"/>
-        </p:xfrm>
-        <a:graphic>
-          <a:graphicData uri="http://schemas.openxmlformats.org/drawingml/2006/chart">
-            <c:chart xmlns:c="http://schemas.openxmlformats.org/drawingml/2006/chart" xmlns:r="http://schemas.openxmlformats.org/officeDocument/2006/relationships" r:id="rId2"/>
-          </a:graphicData>
-        </a:graphic>
-      </p:graphicFrame>
-    </p:spTree>
-    <p:extLst>
-      <p:ext uri="{BB962C8B-B14F-4D97-AF65-F5344CB8AC3E}">
-        <p14:creationId xmlns:p14="http://schemas.microsoft.com/office/powerpoint/2010/main" val="3106206852"/>
-      </p:ext>
-    </p:extLst>
-  </p:cSld>
-  <p:clrMapOvr>
-    <a:masterClrMapping/>
-  </p:clrMapOvr>
-  <mc:AlternateContent xmlns:mc="http://schemas.openxmlformats.org/markup-compatibility/2006" xmlns:p14="http://schemas.microsoft.com/office/powerpoint/2010/main">
-    <mc:Choice Requires="p14">
-      <p:transition spd="med" p14:dur="700">
-        <p:fade/>
-      </p:transition>
-    </mc:Choice>
-    <mc:Fallback xmlns="">
-      <p:transition spd="med">
-        <p:fade/>
-      </p:transition>
-    </mc:Fallback>
-  </mc:AlternateContent>
-  <p:timing>
-    <p:tnLst>
-      <p:par>
-        <p:cTn id="1" dur="indefinite" restart="never" nodeType="tmRoot"/>
-      </p:par>
-    </p:tnLst>
-  </p:timing>
-</p:sld>
-</file>
-
-<file path=ppt/slides/slide6.xml><?xml version="1.0" encoding="utf-8"?>
-<p:sld xmlns:a="http://schemas.openxmlformats.org/drawingml/2006/main" xmlns:r="http://schemas.openxmlformats.org/officeDocument/2006/relationships" xmlns:p="http://schemas.openxmlformats.org/presentationml/2006/main">
-  <p:cSld>
-    <p:spTree>
-      <p:nvGrpSpPr>
-        <p:cNvPr id="1" name=""/>
-        <p:cNvGrpSpPr/>
-        <p:nvPr/>
-      </p:nvGrpSpPr>
-      <p:grpSpPr>
-        <a:xfrm>
-          <a:off x="0" y="0"/>
-          <a:ext cx="0" cy="0"/>
-          <a:chOff x="0" y="0"/>
-          <a:chExt cx="0" cy="0"/>
-        </a:xfrm>
-      </p:grpSpPr>
-      <p:sp>
-        <p:nvSpPr>
-          <p:cNvPr id="2" name="Title 1"/>
-          <p:cNvSpPr>
-            <a:spLocks noGrp="1"/>
-          </p:cNvSpPr>
-          <p:nvPr>
-            <p:ph type="title"/>
-          </p:nvPr>
-        </p:nvSpPr>
-        <p:spPr/>
-        <p:txBody>
-          <a:bodyPr/>
-          <a:lstStyle/>
-          <a:p>
-            <a:r>
-              <a:rPr lang="en-US" dirty="0" smtClean="0"/>
-              <a:t>Expectations</a:t>
-            </a:r>
-            <a:endParaRPr lang="en-US" dirty="0"/>
-          </a:p>
-        </p:txBody>
-      </p:sp>
-      <p:sp>
-        <p:nvSpPr>
-          <p:cNvPr id="3" name="Content Placeholder 2"/>
-          <p:cNvSpPr>
-            <a:spLocks noGrp="1"/>
-          </p:cNvSpPr>
-          <p:nvPr>
-            <p:ph sz="half" idx="1"/>
-          </p:nvPr>
-        </p:nvSpPr>
-        <p:spPr/>
-        <p:txBody>
-          <a:bodyPr/>
-          <a:lstStyle/>
-          <a:p>
-            <a:r>
-              <a:rPr lang="en-US" dirty="0" smtClean="0"/>
-              <a:t>First bullet point here</a:t>
-            </a:r>
-          </a:p>
-          <a:p>
-            <a:r>
-              <a:rPr lang="en-US" dirty="0" smtClean="0"/>
-              <a:t>Second bullet point here</a:t>
-            </a:r>
-          </a:p>
-          <a:p>
-            <a:r>
-              <a:rPr lang="en-US" dirty="0" smtClean="0"/>
-              <a:t>Third bullet point here</a:t>
-            </a:r>
-            <a:endParaRPr lang="en-US" dirty="0"/>
-          </a:p>
-        </p:txBody>
-      </p:sp>
-      <p:graphicFrame>
-        <p:nvGraphicFramePr>
-          <p:cNvPr id="9" name="Content Placeholder 8" descr="Sample table with 3 columns, 4 rows" title="Table"/>
-          <p:cNvGraphicFramePr>
-            <a:graphicFrameLocks noGrp="1"/>
-          </p:cNvGraphicFramePr>
-          <p:nvPr>
-            <p:ph sz="half" idx="2"/>
-            <p:extLst>
-              <p:ext uri="{D42A27DB-BD31-4B8C-83A1-F6EECF244321}">
-                <p14:modId xmlns:p14="http://schemas.microsoft.com/office/powerpoint/2010/main" val="1370186230"/>
-              </p:ext>
-            </p:extLst>
-          </p:nvPr>
-        </p:nvGraphicFramePr>
-        <p:xfrm>
-          <a:off x="6229350" y="1905000"/>
-          <a:ext cx="4419600" cy="2057400"/>
-        </p:xfrm>
-        <a:graphic>
-          <a:graphicData uri="http://schemas.openxmlformats.org/drawingml/2006/table">
-            <a:tbl>
-              <a:tblPr firstRow="1" bandRow="1">
-                <a:tableStyleId>{5C22544A-7EE6-4342-B048-85BDC9FD1C3A}</a:tableStyleId>
-              </a:tblPr>
-              <a:tblGrid>
-                <a:gridCol w="1473200"/>
-                <a:gridCol w="1473200"/>
-                <a:gridCol w="1473200"/>
-              </a:tblGrid>
-              <a:tr h="514350">
-                <a:tc>
-                  <a:txBody>
-                    <a:bodyPr/>
-                    <a:lstStyle/>
-                    <a:p>
-                      <a:endParaRPr lang="en-US" dirty="0"/>
-                    </a:p>
-                  </a:txBody>
-                  <a:tcPr anchor="ctr"/>
-                </a:tc>
-                <a:tc>
-                  <a:txBody>
-                    <a:bodyPr/>
-                    <a:lstStyle/>
-                    <a:p>
-                      <a:pPr algn="ctr"/>
-                      <a:r>
-                        <a:rPr lang="en-US" dirty="0" smtClean="0"/>
-                        <a:t>Group 1</a:t>
-                      </a:r>
-                      <a:endParaRPr lang="en-US" dirty="0"/>
-                    </a:p>
-                  </a:txBody>
-                  <a:tcPr anchor="ctr"/>
-                </a:tc>
-                <a:tc>
-                  <a:txBody>
-                    <a:bodyPr/>
-                    <a:lstStyle/>
-                    <a:p>
-                      <a:pPr algn="ctr"/>
-                      <a:r>
-                        <a:rPr lang="en-US" dirty="0" smtClean="0"/>
-                        <a:t>Group 2</a:t>
-                      </a:r>
-                      <a:endParaRPr lang="en-US" dirty="0"/>
-                    </a:p>
-                  </a:txBody>
-                  <a:tcPr anchor="ctr"/>
-                </a:tc>
-              </a:tr>
-              <a:tr h="514350">
-                <a:tc>
-                  <a:txBody>
-                    <a:bodyPr/>
-                    <a:lstStyle/>
-                    <a:p>
-                      <a:r>
-                        <a:rPr lang="en-US" dirty="0" smtClean="0"/>
-                        <a:t>Class 1</a:t>
-                      </a:r>
-                      <a:endParaRPr lang="en-US" dirty="0"/>
-                    </a:p>
-                  </a:txBody>
-                  <a:tcPr anchor="ctr"/>
-                </a:tc>
-                <a:tc>
-                  <a:txBody>
-                    <a:bodyPr/>
-                    <a:lstStyle/>
-                    <a:p>
-                      <a:pPr algn="ctr"/>
-                      <a:r>
-                        <a:rPr lang="en-US" dirty="0" smtClean="0"/>
-                        <a:t>82</a:t>
-                      </a:r>
-                      <a:endParaRPr lang="en-US" dirty="0"/>
-                    </a:p>
-                  </a:txBody>
-                  <a:tcPr anchor="ctr"/>
-                </a:tc>
-                <a:tc>
-                  <a:txBody>
-                    <a:bodyPr/>
-                    <a:lstStyle/>
-                    <a:p>
-                      <a:pPr algn="ctr"/>
-                      <a:r>
-                        <a:rPr lang="en-US" dirty="0" smtClean="0"/>
-                        <a:t>95</a:t>
-                      </a:r>
-                      <a:endParaRPr lang="en-US" dirty="0"/>
-                    </a:p>
-                  </a:txBody>
-                  <a:tcPr anchor="ctr"/>
-                </a:tc>
-              </a:tr>
-              <a:tr h="514350">
-                <a:tc>
-                  <a:txBody>
-                    <a:bodyPr/>
-                    <a:lstStyle/>
-                    <a:p>
-                      <a:r>
-                        <a:rPr lang="en-US" dirty="0" smtClean="0"/>
-                        <a:t>Class</a:t>
-                      </a:r>
-                      <a:r>
-                        <a:rPr lang="en-US" baseline="0" dirty="0" smtClean="0"/>
-                        <a:t> 2</a:t>
-                      </a:r>
-                      <a:endParaRPr lang="en-US" dirty="0"/>
-                    </a:p>
-                  </a:txBody>
-                  <a:tcPr anchor="ctr"/>
-                </a:tc>
-                <a:tc>
-                  <a:txBody>
-                    <a:bodyPr/>
-                    <a:lstStyle/>
-                    <a:p>
-                      <a:pPr algn="ctr"/>
-                      <a:r>
-                        <a:rPr lang="en-US" dirty="0" smtClean="0"/>
-                        <a:t>76</a:t>
-                      </a:r>
-                      <a:endParaRPr lang="en-US" dirty="0"/>
-                    </a:p>
-                  </a:txBody>
-                  <a:tcPr anchor="ctr"/>
-                </a:tc>
-                <a:tc>
-                  <a:txBody>
-                    <a:bodyPr/>
-                    <a:lstStyle/>
-                    <a:p>
-                      <a:pPr algn="ctr"/>
-                      <a:r>
-                        <a:rPr lang="en-US" dirty="0" smtClean="0"/>
-                        <a:t>88</a:t>
-                      </a:r>
-                      <a:endParaRPr lang="en-US" dirty="0"/>
-                    </a:p>
-                  </a:txBody>
-                  <a:tcPr anchor="ctr"/>
-                </a:tc>
-              </a:tr>
-              <a:tr h="514350">
-                <a:tc>
-                  <a:txBody>
-                    <a:bodyPr/>
-                    <a:lstStyle/>
-                    <a:p>
-                      <a:r>
-                        <a:rPr lang="en-US" dirty="0" smtClean="0"/>
-                        <a:t>Class 3</a:t>
-                      </a:r>
-                      <a:endParaRPr lang="en-US" dirty="0"/>
-                    </a:p>
-                  </a:txBody>
-                  <a:tcPr anchor="ctr"/>
-                </a:tc>
-                <a:tc>
-                  <a:txBody>
-                    <a:bodyPr/>
-                    <a:lstStyle/>
-                    <a:p>
-                      <a:pPr algn="ctr"/>
-                      <a:r>
-                        <a:rPr lang="en-US" dirty="0" smtClean="0"/>
-                        <a:t>84</a:t>
-                      </a:r>
-                      <a:endParaRPr lang="en-US" dirty="0"/>
-                    </a:p>
-                  </a:txBody>
-                  <a:tcPr anchor="ctr"/>
-                </a:tc>
-                <a:tc>
-                  <a:txBody>
-                    <a:bodyPr/>
-                    <a:lstStyle/>
-                    <a:p>
-                      <a:pPr algn="ctr"/>
-                      <a:r>
-                        <a:rPr lang="en-US" dirty="0" smtClean="0"/>
-                        <a:t>90</a:t>
-                      </a:r>
-                      <a:endParaRPr lang="en-US" dirty="0"/>
-                    </a:p>
-                  </a:txBody>
-                  <a:tcPr anchor="ctr"/>
-                </a:tc>
-              </a:tr>
-            </a:tbl>
-          </a:graphicData>
-        </a:graphic>
-      </p:graphicFrame>
-    </p:spTree>
-    <p:extLst>
-      <p:ext uri="{BB962C8B-B14F-4D97-AF65-F5344CB8AC3E}">
-        <p14:creationId xmlns:p14="http://schemas.microsoft.com/office/powerpoint/2010/main" val="4206988261"/>
-      </p:ext>
-    </p:extLst>
-  </p:cSld>
-  <p:clrMapOvr>
-    <a:masterClrMapping/>
-  </p:clrMapOvr>
-  <mc:AlternateContent xmlns:mc="http://schemas.openxmlformats.org/markup-compatibility/2006" xmlns:p14="http://schemas.microsoft.com/office/powerpoint/2010/main">
-    <mc:Choice Requires="p14">
-      <p:transition spd="med" p14:dur="700">
-        <p:fade/>
-      </p:transition>
-    </mc:Choice>
-    <mc:Fallback xmlns="">
-      <p:transition spd="med">
-        <p:fade/>
-      </p:transition>
-    </mc:Fallback>
-  </mc:AlternateContent>
-  <p:timing>
-    <p:tnLst>
-      <p:par>
-        <p:cTn id="1" dur="indefinite" restart="never" nodeType="tmRoot"/>
-      </p:par>
-    </p:tnLst>
-  </p:timing>
-</p:sld>
-</file>
-
-<file path=ppt/slides/slide7.xml><?xml version="1.0" encoding="utf-8"?>
-<p:sld xmlns:a="http://schemas.openxmlformats.org/drawingml/2006/main" xmlns:r="http://schemas.openxmlformats.org/officeDocument/2006/relationships" xmlns:p="http://schemas.openxmlformats.org/presentationml/2006/main">
-  <p:cSld>
-    <p:spTree>
-      <p:nvGrpSpPr>
-        <p:cNvPr id="1" name=""/>
-        <p:cNvGrpSpPr/>
-        <p:nvPr/>
-      </p:nvGrpSpPr>
-      <p:grpSpPr>
-        <a:xfrm>
-          <a:off x="0" y="0"/>
-          <a:ext cx="0" cy="0"/>
-          <a:chOff x="0" y="0"/>
-          <a:chExt cx="0" cy="0"/>
-        </a:xfrm>
-      </p:grpSpPr>
-      <p:sp>
-        <p:nvSpPr>
-          <p:cNvPr id="2" name="Title 1"/>
-          <p:cNvSpPr>
-            <a:spLocks noGrp="1"/>
-          </p:cNvSpPr>
-          <p:nvPr>
-            <p:ph type="title"/>
-          </p:nvPr>
-        </p:nvSpPr>
-        <p:spPr/>
-        <p:txBody>
-          <a:bodyPr/>
-          <a:lstStyle/>
-          <a:p>
-            <a:endParaRPr lang="en-US"/>
-          </a:p>
-        </p:txBody>
-      </p:sp>
-      <p:sp>
-        <p:nvSpPr>
-          <p:cNvPr id="3" name="Text Placeholder 2"/>
-          <p:cNvSpPr>
-            <a:spLocks noGrp="1"/>
-          </p:cNvSpPr>
-          <p:nvPr>
-            <p:ph type="body" idx="1"/>
-          </p:nvPr>
-        </p:nvSpPr>
-        <p:spPr/>
-        <p:txBody>
-          <a:bodyPr/>
-          <a:lstStyle/>
-          <a:p>
-            <a:endParaRPr lang="en-US"/>
-          </a:p>
-        </p:txBody>
-      </p:sp>
-    </p:spTree>
-    <p:extLst>
-      <p:ext uri="{BB962C8B-B14F-4D97-AF65-F5344CB8AC3E}">
-        <p14:creationId xmlns:p14="http://schemas.microsoft.com/office/powerpoint/2010/main" val="2478160142"/>
-      </p:ext>
-    </p:extLst>
-  </p:cSld>
-  <p:clrMapOvr>
-    <a:masterClrMapping/>
-  </p:clrMapOvr>
-  <mc:AlternateContent xmlns:mc="http://schemas.openxmlformats.org/markup-compatibility/2006" xmlns:p14="http://schemas.microsoft.com/office/powerpoint/2010/main">
-    <mc:Choice Requires="p14">
-      <p:transition spd="med" p14:dur="700">
-        <p:fade/>
-      </p:transition>
-    </mc:Choice>
-    <mc:Fallback xmlns="">
-      <p:transition spd="med">
-        <p:fade/>
-      </p:transition>
-    </mc:Fallback>
-  </mc:AlternateContent>
-  <p:timing>
-    <p:tnLst>
-      <p:par>
-        <p:cTn id="1" dur="indefinite" restart="never" nodeType="tmRoot"/>
-      </p:par>
-    </p:tnLst>
-  </p:timing>
-</p:sld>
-</file>
-
-<file path=ppt/slides/slide8.xml><?xml version="1.0" encoding="utf-8"?>
-<p:sld xmlns:a="http://schemas.openxmlformats.org/drawingml/2006/main" xmlns:r="http://schemas.openxmlformats.org/officeDocument/2006/relationships" xmlns:p="http://schemas.openxmlformats.org/presentationml/2006/main">
-  <p:cSld>
-    <p:spTree>
-      <p:nvGrpSpPr>
-        <p:cNvPr id="1" name=""/>
-        <p:cNvGrpSpPr/>
-        <p:nvPr/>
-      </p:nvGrpSpPr>
-      <p:grpSpPr>
-        <a:xfrm>
-          <a:off x="0" y="0"/>
-          <a:ext cx="0" cy="0"/>
-          <a:chOff x="0" y="0"/>
-          <a:chExt cx="0" cy="0"/>
-        </a:xfrm>
-      </p:grpSpPr>
-      <p:sp>
-        <p:nvSpPr>
-          <p:cNvPr id="2" name="Title 1"/>
-          <p:cNvSpPr>
-            <a:spLocks noGrp="1"/>
-          </p:cNvSpPr>
-          <p:nvPr>
-            <p:ph type="title"/>
-          </p:nvPr>
-        </p:nvSpPr>
-        <p:spPr/>
-        <p:txBody>
-          <a:bodyPr/>
-          <a:lstStyle/>
-          <a:p>
-            <a:endParaRPr lang="en-US"/>
-          </a:p>
-        </p:txBody>
-      </p:sp>
-      <p:sp>
-        <p:nvSpPr>
-          <p:cNvPr id="3" name="Text Placeholder 2"/>
-          <p:cNvSpPr>
-            <a:spLocks noGrp="1"/>
-          </p:cNvSpPr>
-          <p:nvPr>
-            <p:ph type="body" idx="1"/>
-          </p:nvPr>
-        </p:nvSpPr>
-        <p:spPr/>
-        <p:txBody>
-          <a:bodyPr/>
-          <a:lstStyle/>
-          <a:p>
-            <a:endParaRPr lang="en-US"/>
-          </a:p>
-        </p:txBody>
-      </p:sp>
-      <p:sp>
-        <p:nvSpPr>
-          <p:cNvPr id="4" name="Content Placeholder 3"/>
-          <p:cNvSpPr>
-            <a:spLocks noGrp="1"/>
-          </p:cNvSpPr>
-          <p:nvPr>
-            <p:ph sz="half" idx="2"/>
-          </p:nvPr>
-        </p:nvSpPr>
-        <p:spPr/>
-        <p:txBody>
-          <a:bodyPr/>
-          <a:lstStyle/>
-          <a:p>
-            <a:endParaRPr lang="en-US"/>
-          </a:p>
-        </p:txBody>
-      </p:sp>
-      <p:sp>
-        <p:nvSpPr>
-          <p:cNvPr id="5" name="Text Placeholder 4"/>
-          <p:cNvSpPr>
-            <a:spLocks noGrp="1"/>
-          </p:cNvSpPr>
-          <p:nvPr>
-            <p:ph type="body" sz="quarter" idx="3"/>
-          </p:nvPr>
-        </p:nvSpPr>
-        <p:spPr/>
-        <p:txBody>
-          <a:bodyPr/>
-          <a:lstStyle/>
-          <a:p>
-            <a:endParaRPr lang="en-US"/>
-          </a:p>
-        </p:txBody>
-      </p:sp>
-      <p:sp>
-        <p:nvSpPr>
-          <p:cNvPr id="6" name="Content Placeholder 5"/>
-          <p:cNvSpPr>
-            <a:spLocks noGrp="1"/>
-          </p:cNvSpPr>
-          <p:nvPr>
-            <p:ph sz="quarter" idx="4"/>
-          </p:nvPr>
-        </p:nvSpPr>
-        <p:spPr/>
-        <p:txBody>
-          <a:bodyPr/>
-          <a:lstStyle/>
-          <a:p>
-            <a:endParaRPr lang="en-US"/>
-          </a:p>
-        </p:txBody>
-      </p:sp>
-    </p:spTree>
-    <p:extLst>
-      <p:ext uri="{BB962C8B-B14F-4D97-AF65-F5344CB8AC3E}">
-        <p14:creationId xmlns:p14="http://schemas.microsoft.com/office/powerpoint/2010/main" val="2681425051"/>
-      </p:ext>
-    </p:extLst>
-  </p:cSld>
-  <p:clrMapOvr>
-    <a:masterClrMapping/>
-  </p:clrMapOvr>
-  <mc:AlternateContent xmlns:mc="http://schemas.openxmlformats.org/markup-compatibility/2006" xmlns:p14="http://schemas.microsoft.com/office/powerpoint/2010/main">
-    <mc:Choice Requires="p14">
-      <p:transition spd="med" p14:dur="700">
-        <p:fade/>
-      </p:transition>
-    </mc:Choice>
-    <mc:Fallback xmlns="">
-      <p:transition spd="med">
-        <p:fade/>
-      </p:transition>
-    </mc:Fallback>
-  </mc:AlternateContent>
-  <p:timing>
-    <p:tnLst>
-      <p:par>
-        <p:cTn id="1" dur="indefinite" restart="never" nodeType="tmRoot"/>
-      </p:par>
-    </p:tnLst>
-  </p:timing>
-</p:sld>
-</file>
-
-<file path=ppt/slides/slide9.xml><?xml version="1.0" encoding="utf-8"?>
-<p:sld xmlns:a="http://schemas.openxmlformats.org/drawingml/2006/main" xmlns:r="http://schemas.openxmlformats.org/officeDocument/2006/relationships" xmlns:p="http://schemas.openxmlformats.org/presentationml/2006/main">
-  <p:cSld>
-    <p:spTree>
-      <p:nvGrpSpPr>
-        <p:cNvPr id="1" name=""/>
-        <p:cNvGrpSpPr/>
-        <p:nvPr/>
-      </p:nvGrpSpPr>
-      <p:grpSpPr>
-        <a:xfrm>
-          <a:off x="0" y="0"/>
-          <a:ext cx="0" cy="0"/>
-          <a:chOff x="0" y="0"/>
-          <a:chExt cx="0" cy="0"/>
-        </a:xfrm>
-      </p:grpSpPr>
-      <p:sp>
-        <p:nvSpPr>
-          <p:cNvPr id="2" name="Title 1"/>
-          <p:cNvSpPr>
-            <a:spLocks noGrp="1"/>
-          </p:cNvSpPr>
-          <p:nvPr>
-            <p:ph type="title"/>
-          </p:nvPr>
-        </p:nvSpPr>
-        <p:spPr/>
-        <p:txBody>
-          <a:bodyPr/>
-          <a:lstStyle/>
-          <a:p>
-            <a:endParaRPr lang="en-US"/>
-          </a:p>
-        </p:txBody>
-      </p:sp>
-    </p:spTree>
-    <p:extLst>
-      <p:ext uri="{BB962C8B-B14F-4D97-AF65-F5344CB8AC3E}">
-        <p14:creationId xmlns:p14="http://schemas.microsoft.com/office/powerpoint/2010/main" val="2590506655"/>
-      </p:ext>
-    </p:extLst>
-  </p:cSld>
-  <p:clrMapOvr>
-    <a:masterClrMapping/>
-  </p:clrMapOvr>
-  <mc:AlternateContent xmlns:mc="http://schemas.openxmlformats.org/markup-compatibility/2006" xmlns:p14="http://schemas.microsoft.com/office/powerpoint/2010/main">
-    <mc:Choice Requires="p14">
-      <p:transition spd="med" p14:dur="700">
-        <p:fade/>
-      </p:transition>
-    </mc:Choice>
-    <mc:Fallback xmlns="">
-      <p:transition spd="med">
-        <p:fade/>
-      </p:transition>
-    </mc:Fallback>
-  </mc:AlternateContent>
-  <p:timing>
-    <p:tnLst>
-      <p:par>
-        <p:cTn id="1" dur="indefinite" restart="never" nodeType="tmRoot"/>
-      </p:par>
-    </p:tnLst>
+    <p:bldLst>
+      <p:bldP spid="13" grpId="0"/>
+      <p:bldGraphic spid="3" grpId="0" uiExpand="1">
+        <p:bldSub>
+          <a:bldDgm bld="one"/>
+        </p:bldSub>
+      </p:bldGraphic>
+    </p:bldLst>
   </p:timing>
 </p:sld>
 </file>

--- a/Decentralized Collective Construction.pptx
+++ b/Decentralized Collective Construction.pptx
@@ -118,7 +118,7 @@
   </p:defaultTextStyle>
   <p:extLst>
     <p:ext uri="{EFAFB233-063F-42B5-8137-9DF3F51BA10A}">
-      <p15:sldGuideLst xmlns:p15="http://schemas.microsoft.com/office/powerpoint/2012/main">
+      <p15:sldGuideLst xmlns="" xmlns:p15="http://schemas.microsoft.com/office/powerpoint/2012/main">
         <p15:guide id="1" pos="3839" userDrawn="1">
           <p15:clr>
             <a:srgbClr val="A4A3A4"/>
@@ -132,7 +132,7 @@
       </p15:sldGuideLst>
     </p:ext>
     <p:ext uri="{2D200454-40CA-4A62-9FC3-DE9A4176ACB9}">
-      <p15:notesGuideLst xmlns:p15="http://schemas.microsoft.com/office/powerpoint/2012/main"/>
+      <p15:notesGuideLst xmlns="" xmlns:p15="http://schemas.microsoft.com/office/powerpoint/2012/main"/>
     </p:ext>
   </p:extLst>
 </p:presentation>
@@ -2081,7 +2081,7 @@
             <a:gs pos="0">
               <a:schemeClr val="accent1">
                 <a:shade val="90000"/>
-                <a:hueOff val="361868"/>
+                <a:hueOff val="361866"/>
                 <a:satOff val="12502"/>
                 <a:lumOff val="24506"/>
                 <a:alphaOff val="0"/>
@@ -2093,7 +2093,7 @@
             <a:gs pos="50000">
               <a:schemeClr val="accent1">
                 <a:shade val="90000"/>
-                <a:hueOff val="361868"/>
+                <a:hueOff val="361866"/>
                 <a:satOff val="12502"/>
                 <a:lumOff val="24506"/>
                 <a:alphaOff val="0"/>
@@ -2105,7 +2105,7 @@
             <a:gs pos="100000">
               <a:schemeClr val="accent1">
                 <a:shade val="90000"/>
-                <a:hueOff val="361868"/>
+                <a:hueOff val="361866"/>
                 <a:satOff val="12502"/>
                 <a:lumOff val="24506"/>
                 <a:alphaOff val="0"/>
@@ -4127,7 +4127,7 @@
           <a:p>
             <a:fld id="{59088EAF-6ECA-4616-85EF-35AA19C641F3}" type="datetimeFigureOut">
               <a:rPr lang="en-US"/>
-              <a:t>6/25/2013</a:t>
+              <a:t>6/26/2013</a:t>
             </a:fld>
             <a:endParaRPr dirty="0"/>
           </a:p>
@@ -4292,7 +4292,7 @@
           <a:p>
             <a:fld id="{3ABD2D7A-D230-4F91-BD59-0A39C2703BA8}" type="datetimeFigureOut">
               <a:rPr lang="en-US"/>
-              <a:t>6/25/2013</a:t>
+              <a:t>6/26/2013</a:t>
             </a:fld>
             <a:endParaRPr dirty="0"/>
           </a:p>
@@ -4894,7 +4894,7 @@
           <a:p>
             <a:fld id="{03F41C87-7AD9-4845-A077-840E4A0F3F06}" type="datetimeFigureOut">
               <a:rPr lang="en-US"/>
-              <a:t>6/25/2013</a:t>
+              <a:t>6/26/2013</a:t>
             </a:fld>
             <a:endParaRPr dirty="0"/>
           </a:p>
@@ -5093,7 +5093,7 @@
           <a:p>
             <a:fld id="{03F41C87-7AD9-4845-A077-840E4A0F3F06}" type="datetimeFigureOut">
               <a:rPr lang="en-US"/>
-              <a:t>6/25/2013</a:t>
+              <a:t>6/26/2013</a:t>
             </a:fld>
             <a:endParaRPr dirty="0"/>
           </a:p>
@@ -5289,7 +5289,7 @@
           <a:p>
             <a:fld id="{03F41C87-7AD9-4845-A077-840E4A0F3F06}" type="datetimeFigureOut">
               <a:rPr lang="en-US"/>
-              <a:t>6/25/2013</a:t>
+              <a:t>6/26/2013</a:t>
             </a:fld>
             <a:endParaRPr dirty="0"/>
           </a:p>
@@ -5576,7 +5576,7 @@
           <a:p>
             <a:fld id="{03F41C87-7AD9-4845-A077-840E4A0F3F06}" type="datetimeFigureOut">
               <a:rPr lang="en-US"/>
-              <a:t>6/25/2013</a:t>
+              <a:t>6/26/2013</a:t>
             </a:fld>
             <a:endParaRPr dirty="0"/>
           </a:p>
@@ -5887,7 +5887,7 @@
           <a:p>
             <a:fld id="{03F41C87-7AD9-4845-A077-840E4A0F3F06}" type="datetimeFigureOut">
               <a:rPr lang="en-US"/>
-              <a:t>6/25/2013</a:t>
+              <a:t>6/26/2013</a:t>
             </a:fld>
             <a:endParaRPr dirty="0"/>
           </a:p>
@@ -6350,7 +6350,7 @@
           <a:p>
             <a:fld id="{03F41C87-7AD9-4845-A077-840E4A0F3F06}" type="datetimeFigureOut">
               <a:rPr lang="en-US"/>
-              <a:t>6/25/2013</a:t>
+              <a:t>6/26/2013</a:t>
             </a:fld>
             <a:endParaRPr dirty="0"/>
           </a:p>
@@ -6487,7 +6487,7 @@
           <a:p>
             <a:fld id="{03F41C87-7AD9-4845-A077-840E4A0F3F06}" type="datetimeFigureOut">
               <a:rPr lang="en-US"/>
-              <a:t>6/25/2013</a:t>
+              <a:t>6/26/2013</a:t>
             </a:fld>
             <a:endParaRPr dirty="0"/>
           </a:p>
@@ -6609,7 +6609,7 @@
           <a:p>
             <a:fld id="{03F41C87-7AD9-4845-A077-840E4A0F3F06}" type="datetimeFigureOut">
               <a:rPr lang="en-US"/>
-              <a:t>6/25/2013</a:t>
+              <a:t>6/26/2013</a:t>
             </a:fld>
             <a:endParaRPr dirty="0"/>
           </a:p>
@@ -6938,7 +6938,7 @@
           <a:p>
             <a:fld id="{03F41C87-7AD9-4845-A077-840E4A0F3F06}" type="datetimeFigureOut">
               <a:rPr lang="en-US"/>
-              <a:t>6/25/2013</a:t>
+              <a:t>6/26/2013</a:t>
             </a:fld>
             <a:endParaRPr dirty="0"/>
           </a:p>
@@ -7257,7 +7257,7 @@
             <a:fld id="{03F41C87-7AD9-4845-A077-840E4A0F3F06}" type="datetimeFigureOut">
               <a:rPr lang="en-US"/>
               <a:pPr/>
-              <a:t>6/25/2013</a:t>
+              <a:t>6/26/2013</a:t>
             </a:fld>
             <a:endParaRPr dirty="0"/>
           </a:p>
@@ -7500,7 +7500,7 @@
             <a:fld id="{03F41C87-7AD9-4845-A077-840E4A0F3F06}" type="datetimeFigureOut">
               <a:rPr lang="en-US"/>
               <a:pPr/>
-              <a:t>6/25/2013</a:t>
+              <a:t>6/26/2013</a:t>
             </a:fld>
             <a:endParaRPr dirty="0"/>
           </a:p>
@@ -7927,7 +7927,7 @@
   </p:txStyles>
   <p:extLst>
     <p:ext uri="{27BBF7A9-308A-43DC-89C8-2F10F3537804}">
-      <p15:sldGuideLst xmlns:p15="http://schemas.microsoft.com/office/powerpoint/2012/main">
+      <p15:sldGuideLst xmlns="" xmlns:p15="http://schemas.microsoft.com/office/powerpoint/2012/main">
         <p15:guide id="1" pos="3839" userDrawn="1">
           <p15:clr>
             <a:srgbClr val="F26B43"/>
@@ -8466,7 +8466,7 @@
               <a:buChar char="•"/>
             </a:pPr>
             <a:r>
-              <a:rPr lang="en-US" sz="2200" dirty="0" smtClean="0"/>
+              <a:rPr lang="en-US" sz="2400" dirty="0" smtClean="0"/>
               <a:t>Wind</a:t>
             </a:r>
           </a:p>
@@ -8476,7 +8476,7 @@
               <a:buChar char="•"/>
             </a:pPr>
             <a:r>
-              <a:rPr lang="en-US" sz="2200" dirty="0" smtClean="0"/>
+              <a:rPr lang="en-US" sz="2400" dirty="0" smtClean="0"/>
               <a:t>Heat</a:t>
             </a:r>
           </a:p>
@@ -8486,7 +8486,7 @@
               <a:buChar char="•"/>
             </a:pPr>
             <a:r>
-              <a:rPr lang="en-US" sz="2200" dirty="0" smtClean="0"/>
+              <a:rPr lang="en-US" sz="2400" dirty="0" smtClean="0"/>
               <a:t>Structural Decay</a:t>
             </a:r>
           </a:p>
@@ -8496,7 +8496,7 @@
               <a:buChar char="•"/>
             </a:pPr>
             <a:r>
-              <a:rPr lang="en-US" sz="2200" dirty="0" smtClean="0"/>
+              <a:rPr lang="en-US" sz="2400" dirty="0" smtClean="0"/>
               <a:t>Extreme Environments</a:t>
             </a:r>
           </a:p>
@@ -9493,37 +9493,34 @@
           <a:lstStyle/>
           <a:p>
             <a:r>
-              <a:rPr lang="en-US" dirty="0" smtClean="0"/>
+              <a:rPr lang="en-US" sz="2800" dirty="0" smtClean="0"/>
               <a:t>Structural Analysis Program </a:t>
             </a:r>
           </a:p>
           <a:p>
             <a:pPr lvl="1"/>
             <a:r>
-              <a:rPr lang="en-US" dirty="0" smtClean="0"/>
+              <a:rPr lang="en-US" sz="2400" dirty="0" smtClean="0"/>
               <a:t>SAP 2000 OAPI</a:t>
             </a:r>
           </a:p>
           <a:p>
             <a:pPr lvl="1"/>
             <a:r>
-              <a:rPr lang="en-US" dirty="0" smtClean="0"/>
+              <a:rPr lang="en-US" sz="2400" dirty="0" smtClean="0"/>
               <a:t>Python Interface</a:t>
             </a:r>
           </a:p>
           <a:p>
             <a:r>
-              <a:rPr lang="en-US" smtClean="0"/>
-              <a:t>Mobile </a:t>
+              <a:rPr lang="en-US" sz="2800" dirty="0" smtClean="0"/>
+              <a:t>Mobile Swarm</a:t>
             </a:r>
+            <a:endParaRPr lang="en-US" dirty="0" smtClean="0"/>
+          </a:p>
+          <a:p>
             <a:r>
-              <a:rPr lang="en-US" dirty="0" smtClean="0"/>
-              <a:t>Swarm</a:t>
-            </a:r>
-          </a:p>
-          <a:p>
-            <a:r>
-              <a:rPr lang="en-US" dirty="0" smtClean="0"/>
+              <a:rPr lang="en-US" sz="2800" dirty="0" smtClean="0"/>
               <a:t>Random Rules</a:t>
             </a:r>
             <a:endParaRPr lang="en-US" dirty="0"/>
@@ -10172,7 +10169,11 @@
           <a:p>
             <a:r>
               <a:rPr lang="en-US" dirty="0" smtClean="0"/>
-              <a:t>Steps: Vertical Tower Simulation</a:t>
+              <a:t>Research Steps</a:t>
+            </a:r>
+            <a:r>
+              <a:rPr lang="en-US" dirty="0" smtClean="0"/>
+              <a:t>: Vertical Tower Simulation</a:t>
             </a:r>
             <a:endParaRPr lang="en-US" dirty="0"/>
           </a:p>
